--- a/Slides/Apresentação_slide.pptx
+++ b/Slides/Apresentação_slide.pptx
@@ -8,10 +8,11 @@
     <p:sldId id="259" r:id="rId2"/>
     <p:sldId id="258" r:id="rId3"/>
     <p:sldId id="262" r:id="rId4"/>
-    <p:sldId id="263" r:id="rId5"/>
-    <p:sldId id="260" r:id="rId6"/>
-    <p:sldId id="264" r:id="rId7"/>
-    <p:sldId id="261" r:id="rId8"/>
+    <p:sldId id="265" r:id="rId5"/>
+    <p:sldId id="263" r:id="rId6"/>
+    <p:sldId id="260" r:id="rId7"/>
+    <p:sldId id="264" r:id="rId8"/>
+    <p:sldId id="261" r:id="rId9"/>
   </p:sldIdLst>
   <p:sldSz cx="12192000" cy="6858000"/>
   <p:notesSz cx="6858000" cy="9144000"/>
@@ -110,6 +111,11 @@
       </a:defRPr>
     </a:lvl9pPr>
   </p:defaultTextStyle>
+  <p:extLst>
+    <p:ext uri="{EFAFB233-063F-42B5-8137-9DF3F51BA10A}">
+      <p15:sldGuideLst xmlns:p15="http://schemas.microsoft.com/office/powerpoint/2012/main"/>
+    </p:ext>
+  </p:extLst>
 </p:presentation>
 </file>
 
@@ -3315,7 +3321,7 @@
                 <a:latin typeface="Roboto Thin" panose="02000000000000000000" pitchFamily="2" charset="0"/>
                 <a:ea typeface="Roboto Thin" panose="02000000000000000000" pitchFamily="2" charset="0"/>
               </a:rPr>
-              <a:t>Introdução – Banco de dados</a:t>
+              <a:t>NullBank</a:t>
             </a:r>
             <a:endParaRPr lang="pt-BR" dirty="0">
               <a:solidFill>
@@ -3327,25 +3333,222 @@
           </a:p>
         </p:txBody>
       </p:sp>
-      <p:sp>
-        <p:nvSpPr>
-          <p:cNvPr id="3" name="Espaço Reservado para Conteúdo 2"/>
-          <p:cNvSpPr>
-            <a:spLocks noGrp="1"/>
-          </p:cNvSpPr>
+      <p:pic>
+        <p:nvPicPr>
+          <p:cNvPr id="4" name="Espaço Reservado para Conteúdo 3"/>
+          <p:cNvPicPr>
+            <a:picLocks noGrp="1" noChangeAspect="1"/>
+          </p:cNvPicPr>
           <p:nvPr>
             <p:ph idx="1"/>
           </p:nvPr>
-        </p:nvSpPr>
-        <p:spPr/>
-        <p:txBody>
-          <a:bodyPr/>
-          <a:lstStyle/>
-          <a:p>
-            <a:pPr marL="0" indent="0">
-              <a:buNone/>
+        </p:nvPicPr>
+        <p:blipFill>
+          <a:blip r:embed="rId2" cstate="print">
+            <a:extLst>
+              <a:ext uri="{28A0092B-C50C-407E-A947-70E740481C1C}">
+                <a14:useLocalDpi xmlns:a14="http://schemas.microsoft.com/office/drawing/2010/main" val="0"/>
+              </a:ext>
+            </a:extLst>
+          </a:blip>
+          <a:stretch>
+            <a:fillRect/>
+          </a:stretch>
+        </p:blipFill>
+        <p:spPr>
+          <a:xfrm>
+            <a:off x="1370313" y="1878126"/>
+            <a:ext cx="2068345" cy="2068345"/>
+          </a:xfrm>
+        </p:spPr>
+      </p:pic>
+      <p:sp>
+        <p:nvSpPr>
+          <p:cNvPr id="5" name="CaixaDeTexto 4"/>
+          <p:cNvSpPr txBox="1"/>
+          <p:nvPr/>
+        </p:nvSpPr>
+        <p:spPr>
+          <a:xfrm>
+            <a:off x="1054781" y="4332621"/>
+            <a:ext cx="2699410" cy="461665"/>
+          </a:xfrm>
+          <a:prstGeom prst="rect">
+            <a:avLst/>
+          </a:prstGeom>
+          <a:noFill/>
+        </p:spPr>
+        <p:txBody>
+          <a:bodyPr wrap="square" rtlCol="0">
+            <a:spAutoFit/>
+          </a:bodyPr>
+          <a:lstStyle/>
+          <a:p>
+            <a:r>
+              <a:rPr lang="pt-BR" sz="2400" dirty="0" smtClean="0">
+                <a:latin typeface="Roboto Thin" panose="02000000000000000000" pitchFamily="2" charset="0"/>
+                <a:ea typeface="Roboto Thin" panose="02000000000000000000" pitchFamily="2" charset="0"/>
+              </a:rPr>
+              <a:t>Sistema bancário</a:t>
+            </a:r>
+            <a:r>
+              <a:rPr lang="pt-BR" dirty="0" smtClean="0">
+                <a:latin typeface="Roboto Thin" panose="02000000000000000000" pitchFamily="2" charset="0"/>
+                <a:ea typeface="Roboto Thin" panose="02000000000000000000" pitchFamily="2" charset="0"/>
+              </a:rPr>
+              <a:t>.</a:t>
+            </a:r>
+            <a:endParaRPr lang="pt-BR" dirty="0">
+              <a:latin typeface="Roboto Thin" panose="02000000000000000000" pitchFamily="2" charset="0"/>
+              <a:ea typeface="Roboto Thin" panose="02000000000000000000" pitchFamily="2" charset="0"/>
+            </a:endParaRPr>
+          </a:p>
+        </p:txBody>
+      </p:sp>
+      <p:sp>
+        <p:nvSpPr>
+          <p:cNvPr id="6" name="CaixaDeTexto 5"/>
+          <p:cNvSpPr txBox="1"/>
+          <p:nvPr/>
+        </p:nvSpPr>
+        <p:spPr>
+          <a:xfrm>
+            <a:off x="4417455" y="1878126"/>
+            <a:ext cx="6941711" cy="3416320"/>
+          </a:xfrm>
+          <a:prstGeom prst="rect">
+            <a:avLst/>
+          </a:prstGeom>
+          <a:noFill/>
+        </p:spPr>
+        <p:txBody>
+          <a:bodyPr wrap="square" rtlCol="0">
+            <a:spAutoFit/>
+          </a:bodyPr>
+          <a:lstStyle/>
+          <a:p>
+            <a:r>
+              <a:rPr lang="pt-BR" sz="2400" dirty="0" smtClean="0">
+                <a:solidFill>
+                  <a:srgbClr val="001173"/>
+                </a:solidFill>
+                <a:latin typeface="Roboto Thin" panose="02000000000000000000" pitchFamily="2" charset="0"/>
+                <a:ea typeface="Roboto Thin" panose="02000000000000000000" pitchFamily="2" charset="0"/>
+              </a:rPr>
+              <a:t>Funcionalidades:</a:t>
+            </a:r>
+          </a:p>
+          <a:p>
+            <a:endParaRPr lang="pt-BR" sz="2400" dirty="0" smtClean="0">
+              <a:solidFill>
+                <a:srgbClr val="001173"/>
+              </a:solidFill>
+              <a:latin typeface="Roboto Thin" panose="02000000000000000000" pitchFamily="2" charset="0"/>
+              <a:ea typeface="Roboto Thin" panose="02000000000000000000" pitchFamily="2" charset="0"/>
+            </a:endParaRPr>
+          </a:p>
+          <a:p>
+            <a:pPr marL="342900" indent="-342900">
+              <a:buClr>
+                <a:srgbClr val="007EA6"/>
+              </a:buClr>
+              <a:buFont typeface="Arial" panose="020B0604020202020204" pitchFamily="34" charset="0"/>
+              <a:buChar char="•"/>
             </a:pPr>
-            <a:endParaRPr lang="pt-BR" dirty="0" smtClean="0">
+            <a:r>
+              <a:rPr lang="pt-BR" sz="2400" dirty="0" smtClean="0">
+                <a:latin typeface="Roboto Thin" panose="02000000000000000000" pitchFamily="2" charset="0"/>
+                <a:ea typeface="Roboto Thin" panose="02000000000000000000" pitchFamily="2" charset="0"/>
+              </a:rPr>
+              <a:t>Sistema voltado para agências bancárias;</a:t>
+            </a:r>
+          </a:p>
+          <a:p>
+            <a:pPr marL="342900" indent="-342900">
+              <a:buClr>
+                <a:srgbClr val="007EA6"/>
+              </a:buClr>
+              <a:buFont typeface="Arial" panose="020B0604020202020204" pitchFamily="34" charset="0"/>
+              <a:buChar char="•"/>
+            </a:pPr>
+            <a:r>
+              <a:rPr lang="pt-BR" sz="2400" dirty="0">
+                <a:solidFill>
+                  <a:srgbClr val="001173"/>
+                </a:solidFill>
+                <a:latin typeface="Roboto Thin" panose="02000000000000000000" pitchFamily="2" charset="0"/>
+                <a:ea typeface="Roboto Thin" panose="02000000000000000000" pitchFamily="2" charset="0"/>
+              </a:rPr>
+              <a:t> </a:t>
+            </a:r>
+            <a:r>
+              <a:rPr lang="pt-BR" sz="2400" dirty="0" smtClean="0">
+                <a:latin typeface="Roboto Thin" panose="02000000000000000000" pitchFamily="2" charset="0"/>
+                <a:ea typeface="Roboto Thin" panose="02000000000000000000" pitchFamily="2" charset="0"/>
+              </a:rPr>
+              <a:t>Controle de informações: clientes, funcionários e agências;</a:t>
+            </a:r>
+          </a:p>
+          <a:p>
+            <a:pPr marL="342900" indent="-342900">
+              <a:buClr>
+                <a:srgbClr val="007EA6"/>
+              </a:buClr>
+              <a:buFont typeface="Arial" panose="020B0604020202020204" pitchFamily="34" charset="0"/>
+              <a:buChar char="•"/>
+            </a:pPr>
+            <a:r>
+              <a:rPr lang="pt-BR" sz="2400" dirty="0" smtClean="0">
+                <a:latin typeface="Roboto Thin" panose="02000000000000000000" pitchFamily="2" charset="0"/>
+                <a:ea typeface="Roboto Thin" panose="02000000000000000000" pitchFamily="2" charset="0"/>
+              </a:rPr>
+              <a:t> Realização de consultas;</a:t>
+            </a:r>
+          </a:p>
+          <a:p>
+            <a:pPr marL="342900" indent="-342900">
+              <a:buClr>
+                <a:srgbClr val="007EA6"/>
+              </a:buClr>
+              <a:buFont typeface="Arial" panose="020B0604020202020204" pitchFamily="34" charset="0"/>
+              <a:buChar char="•"/>
+            </a:pPr>
+            <a:r>
+              <a:rPr lang="pt-BR" sz="2400" dirty="0" smtClean="0">
+                <a:latin typeface="Roboto Thin" panose="02000000000000000000" pitchFamily="2" charset="0"/>
+                <a:ea typeface="Roboto Thin" panose="02000000000000000000" pitchFamily="2" charset="0"/>
+              </a:rPr>
+              <a:t> Realização de transações.</a:t>
+            </a:r>
+          </a:p>
+          <a:p>
+            <a:pPr marL="342900" indent="-342900">
+              <a:buClr>
+                <a:srgbClr val="007EA6"/>
+              </a:buClr>
+              <a:buFont typeface="Arial" panose="020B0604020202020204" pitchFamily="34" charset="0"/>
+              <a:buChar char="•"/>
+            </a:pPr>
+            <a:endParaRPr lang="pt-BR" sz="2400" dirty="0" smtClean="0">
+              <a:solidFill>
+                <a:srgbClr val="001173"/>
+              </a:solidFill>
+              <a:latin typeface="Roboto Thin" panose="02000000000000000000" pitchFamily="2" charset="0"/>
+              <a:ea typeface="Roboto Thin" panose="02000000000000000000" pitchFamily="2" charset="0"/>
+            </a:endParaRPr>
+          </a:p>
+          <a:p>
+            <a:pPr marL="342900" indent="-342900">
+              <a:buClr>
+                <a:srgbClr val="007EA6"/>
+              </a:buClr>
+              <a:buFont typeface="Arial" panose="020B0604020202020204" pitchFamily="34" charset="0"/>
+              <a:buChar char="•"/>
+            </a:pPr>
+            <a:endParaRPr lang="pt-BR" sz="2400" dirty="0">
+              <a:solidFill>
+                <a:srgbClr val="001173"/>
+              </a:solidFill>
               <a:latin typeface="Roboto Thin" panose="02000000000000000000" pitchFamily="2" charset="0"/>
               <a:ea typeface="Roboto Thin" panose="02000000000000000000" pitchFamily="2" charset="0"/>
             </a:endParaRPr>
@@ -3373,6 +3576,225 @@
 </file>
 
 <file path=ppt/slides/slide4.xml><?xml version="1.0" encoding="utf-8"?>
+<p:sld xmlns:a="http://schemas.openxmlformats.org/drawingml/2006/main" xmlns:r="http://schemas.openxmlformats.org/officeDocument/2006/relationships" xmlns:p="http://schemas.openxmlformats.org/presentationml/2006/main">
+  <p:cSld>
+    <p:spTree>
+      <p:nvGrpSpPr>
+        <p:cNvPr id="1" name=""/>
+        <p:cNvGrpSpPr/>
+        <p:nvPr/>
+      </p:nvGrpSpPr>
+      <p:grpSpPr>
+        <a:xfrm>
+          <a:off x="0" y="0"/>
+          <a:ext cx="0" cy="0"/>
+          <a:chOff x="0" y="0"/>
+          <a:chExt cx="0" cy="0"/>
+        </a:xfrm>
+      </p:grpSpPr>
+      <p:sp>
+        <p:nvSpPr>
+          <p:cNvPr id="2" name="Título 1"/>
+          <p:cNvSpPr>
+            <a:spLocks noGrp="1"/>
+          </p:cNvSpPr>
+          <p:nvPr>
+            <p:ph type="title"/>
+          </p:nvPr>
+        </p:nvSpPr>
+        <p:spPr>
+          <a:xfrm>
+            <a:off x="0" y="1"/>
+            <a:ext cx="12192000" cy="1030310"/>
+          </a:xfrm>
+          <a:solidFill>
+            <a:srgbClr val="007EA6"/>
+          </a:solidFill>
+        </p:spPr>
+        <p:txBody>
+          <a:bodyPr/>
+          <a:lstStyle/>
+          <a:p>
+            <a:r>
+              <a:rPr lang="pt-BR" dirty="0" smtClean="0">
+                <a:solidFill>
+                  <a:schemeClr val="bg1"/>
+                </a:solidFill>
+                <a:latin typeface="Roboto Thin" panose="02000000000000000000" pitchFamily="2" charset="0"/>
+                <a:ea typeface="Roboto Thin" panose="02000000000000000000" pitchFamily="2" charset="0"/>
+              </a:rPr>
+              <a:t>NullBank</a:t>
+            </a:r>
+            <a:endParaRPr lang="pt-BR" dirty="0">
+              <a:solidFill>
+                <a:schemeClr val="bg1"/>
+              </a:solidFill>
+              <a:latin typeface="Roboto Thin" panose="02000000000000000000" pitchFamily="2" charset="0"/>
+              <a:ea typeface="Roboto Thin" panose="02000000000000000000" pitchFamily="2" charset="0"/>
+            </a:endParaRPr>
+          </a:p>
+        </p:txBody>
+      </p:sp>
+      <p:sp>
+        <p:nvSpPr>
+          <p:cNvPr id="5" name="CaixaDeTexto 4"/>
+          <p:cNvSpPr txBox="1"/>
+          <p:nvPr/>
+        </p:nvSpPr>
+        <p:spPr>
+          <a:xfrm>
+            <a:off x="1054781" y="4332621"/>
+            <a:ext cx="2699410" cy="461665"/>
+          </a:xfrm>
+          <a:prstGeom prst="rect">
+            <a:avLst/>
+          </a:prstGeom>
+          <a:noFill/>
+        </p:spPr>
+        <p:txBody>
+          <a:bodyPr wrap="square" rtlCol="0">
+            <a:spAutoFit/>
+          </a:bodyPr>
+          <a:lstStyle/>
+          <a:p>
+            <a:r>
+              <a:rPr lang="pt-BR" sz="2400" dirty="0" smtClean="0">
+                <a:latin typeface="Roboto Thin" panose="02000000000000000000" pitchFamily="2" charset="0"/>
+                <a:ea typeface="Roboto Thin" panose="02000000000000000000" pitchFamily="2" charset="0"/>
+              </a:rPr>
+              <a:t>Sistema bancário</a:t>
+            </a:r>
+            <a:r>
+              <a:rPr lang="pt-BR" dirty="0" smtClean="0">
+                <a:latin typeface="Roboto Thin" panose="02000000000000000000" pitchFamily="2" charset="0"/>
+                <a:ea typeface="Roboto Thin" panose="02000000000000000000" pitchFamily="2" charset="0"/>
+              </a:rPr>
+              <a:t>.</a:t>
+            </a:r>
+            <a:endParaRPr lang="pt-BR" dirty="0">
+              <a:latin typeface="Roboto Thin" panose="02000000000000000000" pitchFamily="2" charset="0"/>
+              <a:ea typeface="Roboto Thin" panose="02000000000000000000" pitchFamily="2" charset="0"/>
+            </a:endParaRPr>
+          </a:p>
+        </p:txBody>
+      </p:sp>
+      <p:sp>
+        <p:nvSpPr>
+          <p:cNvPr id="6" name="CaixaDeTexto 5"/>
+          <p:cNvSpPr txBox="1"/>
+          <p:nvPr/>
+        </p:nvSpPr>
+        <p:spPr>
+          <a:xfrm>
+            <a:off x="4417455" y="1878126"/>
+            <a:ext cx="6941711" cy="830997"/>
+          </a:xfrm>
+          <a:prstGeom prst="rect">
+            <a:avLst/>
+          </a:prstGeom>
+          <a:noFill/>
+        </p:spPr>
+        <p:txBody>
+          <a:bodyPr wrap="square" rtlCol="0">
+            <a:spAutoFit/>
+          </a:bodyPr>
+          <a:lstStyle/>
+          <a:p>
+            <a:pPr marL="342900" indent="-342900">
+              <a:buClr>
+                <a:srgbClr val="007EA6"/>
+              </a:buClr>
+              <a:buFont typeface="Arial" panose="020B0604020202020204" pitchFamily="34" charset="0"/>
+              <a:buChar char="•"/>
+            </a:pPr>
+            <a:endParaRPr lang="pt-BR" sz="2400" dirty="0" smtClean="0">
+              <a:solidFill>
+                <a:srgbClr val="001173"/>
+              </a:solidFill>
+              <a:latin typeface="Roboto Thin" panose="02000000000000000000" pitchFamily="2" charset="0"/>
+              <a:ea typeface="Roboto Thin" panose="02000000000000000000" pitchFamily="2" charset="0"/>
+            </a:endParaRPr>
+          </a:p>
+          <a:p>
+            <a:pPr marL="342900" indent="-342900">
+              <a:buClr>
+                <a:srgbClr val="007EA6"/>
+              </a:buClr>
+              <a:buFont typeface="Arial" panose="020B0604020202020204" pitchFamily="34" charset="0"/>
+              <a:buChar char="•"/>
+            </a:pPr>
+            <a:endParaRPr lang="pt-BR" sz="2400" dirty="0">
+              <a:solidFill>
+                <a:srgbClr val="001173"/>
+              </a:solidFill>
+              <a:latin typeface="Roboto Thin" panose="02000000000000000000" pitchFamily="2" charset="0"/>
+              <a:ea typeface="Roboto Thin" panose="02000000000000000000" pitchFamily="2" charset="0"/>
+            </a:endParaRPr>
+          </a:p>
+        </p:txBody>
+      </p:sp>
+      <p:sp>
+        <p:nvSpPr>
+          <p:cNvPr id="3" name="Espaço Reservado para Conteúdo 2"/>
+          <p:cNvSpPr>
+            <a:spLocks noGrp="1"/>
+          </p:cNvSpPr>
+          <p:nvPr>
+            <p:ph idx="1"/>
+          </p:nvPr>
+        </p:nvSpPr>
+        <p:spPr/>
+        <p:txBody>
+          <a:bodyPr/>
+          <a:lstStyle/>
+          <a:p>
+            <a:r>
+              <a:rPr lang="pt-BR" dirty="0" smtClean="0"/>
+              <a:t>Aqui será inserido </a:t>
+            </a:r>
+            <a:r>
+              <a:rPr lang="pt-BR" dirty="0" err="1" smtClean="0"/>
+              <a:t>prints</a:t>
+            </a:r>
+            <a:r>
+              <a:rPr lang="pt-BR" dirty="0" smtClean="0"/>
+              <a:t> das telas</a:t>
+            </a:r>
+          </a:p>
+          <a:p>
+            <a:r>
+              <a:rPr lang="pt-BR" dirty="0" smtClean="0"/>
+              <a:t>Aqui e nos </a:t>
+            </a:r>
+            <a:r>
+              <a:rPr lang="pt-BR" smtClean="0"/>
+              <a:t>próximo slides.</a:t>
+            </a:r>
+            <a:endParaRPr lang="pt-BR" dirty="0"/>
+          </a:p>
+        </p:txBody>
+      </p:sp>
+    </p:spTree>
+    <p:extLst>
+      <p:ext uri="{BB962C8B-B14F-4D97-AF65-F5344CB8AC3E}">
+        <p14:creationId xmlns:p14="http://schemas.microsoft.com/office/powerpoint/2010/main" val="1659387329"/>
+      </p:ext>
+    </p:extLst>
+  </p:cSld>
+  <p:clrMapOvr>
+    <a:masterClrMapping/>
+  </p:clrMapOvr>
+  <p:timing>
+    <p:tnLst>
+      <p:par>
+        <p:cTn id="1" dur="indefinite" restart="never" nodeType="tmRoot"/>
+      </p:par>
+    </p:tnLst>
+  </p:timing>
+</p:sld>
+</file>
+
+<file path=ppt/slides/slide5.xml><?xml version="1.0" encoding="utf-8"?>
 <p:sld xmlns:a="http://schemas.openxmlformats.org/drawingml/2006/main" xmlns:r="http://schemas.openxmlformats.org/officeDocument/2006/relationships" xmlns:p="http://schemas.openxmlformats.org/presentationml/2006/main">
   <p:cSld>
     <p:spTree>
@@ -3487,7 +3909,7 @@
 </p:sld>
 </file>
 
-<file path=ppt/slides/slide5.xml><?xml version="1.0" encoding="utf-8"?>
+<file path=ppt/slides/slide6.xml><?xml version="1.0" encoding="utf-8"?>
 <p:sld xmlns:a="http://schemas.openxmlformats.org/drawingml/2006/main" xmlns:r="http://schemas.openxmlformats.org/officeDocument/2006/relationships" xmlns:p="http://schemas.openxmlformats.org/presentationml/2006/main">
   <p:cSld>
     <p:spTree>
@@ -3586,8 +4008,19 @@
                 <a:latin typeface="Roboto Thin" panose="02000000000000000000" pitchFamily="2" charset="0"/>
                 <a:ea typeface="Roboto Thin" panose="02000000000000000000" pitchFamily="2" charset="0"/>
               </a:rPr>
-              <a:t>MySQL Workbench – modelagem;</a:t>
-            </a:r>
+              <a:t>MySQL Workbench </a:t>
+            </a:r>
+            <a:r>
+              <a:rPr lang="pt-BR" dirty="0" smtClean="0">
+                <a:latin typeface="Roboto Thin" panose="02000000000000000000" pitchFamily="2" charset="0"/>
+                <a:ea typeface="Roboto Thin" panose="02000000000000000000" pitchFamily="2" charset="0"/>
+              </a:rPr>
+              <a:t> 6.3 – modelagem;</a:t>
+            </a:r>
+            <a:endParaRPr lang="pt-BR" dirty="0" smtClean="0">
+              <a:latin typeface="Roboto Thin" panose="02000000000000000000" pitchFamily="2" charset="0"/>
+              <a:ea typeface="Roboto Thin" panose="02000000000000000000" pitchFamily="2" charset="0"/>
+            </a:endParaRPr>
           </a:p>
           <a:p>
             <a:pPr lvl="1">
@@ -3636,16 +4069,12 @@
               </a:buClr>
             </a:pPr>
             <a:r>
-              <a:rPr lang="pt-BR" smtClean="0">
+              <a:rPr lang="pt-BR" dirty="0" smtClean="0">
                 <a:latin typeface="Roboto Thin" panose="02000000000000000000" pitchFamily="2" charset="0"/>
                 <a:ea typeface="Roboto Thin" panose="02000000000000000000" pitchFamily="2" charset="0"/>
               </a:rPr>
               <a:t>HTML 5;</a:t>
             </a:r>
-            <a:endParaRPr lang="pt-BR" dirty="0" smtClean="0">
-              <a:latin typeface="Roboto Thin" panose="02000000000000000000" pitchFamily="2" charset="0"/>
-              <a:ea typeface="Roboto Thin" panose="02000000000000000000" pitchFamily="2" charset="0"/>
-            </a:endParaRPr>
           </a:p>
           <a:p>
             <a:pPr lvl="1">
@@ -3660,10 +4089,6 @@
               </a:rPr>
               <a:t>CSS.</a:t>
             </a:r>
-            <a:endParaRPr lang="pt-BR" dirty="0" smtClean="0">
-              <a:latin typeface="Roboto Thin" panose="02000000000000000000" pitchFamily="2" charset="0"/>
-              <a:ea typeface="Roboto Thin" panose="02000000000000000000" pitchFamily="2" charset="0"/>
-            </a:endParaRPr>
           </a:p>
           <a:p>
             <a:pPr lvl="1">
@@ -3685,10 +4110,6 @@
               </a:rPr>
               <a:t>;</a:t>
             </a:r>
-            <a:endParaRPr lang="pt-BR" dirty="0" smtClean="0">
-              <a:latin typeface="Roboto Thin" panose="02000000000000000000" pitchFamily="2" charset="0"/>
-              <a:ea typeface="Roboto Thin" panose="02000000000000000000" pitchFamily="2" charset="0"/>
-            </a:endParaRPr>
           </a:p>
           <a:p>
             <a:pPr lvl="1">
@@ -3710,10 +4131,6 @@
               </a:rPr>
               <a:t>.</a:t>
             </a:r>
-            <a:endParaRPr lang="pt-BR" dirty="0" smtClean="0">
-              <a:latin typeface="Roboto Thin" panose="02000000000000000000" pitchFamily="2" charset="0"/>
-              <a:ea typeface="Roboto Thin" panose="02000000000000000000" pitchFamily="2" charset="0"/>
-            </a:endParaRPr>
           </a:p>
           <a:p>
             <a:pPr marL="457200" lvl="1" indent="0">
@@ -3760,7 +4177,7 @@
 </p:sld>
 </file>
 
-<file path=ppt/slides/slide6.xml><?xml version="1.0" encoding="utf-8"?>
+<file path=ppt/slides/slide7.xml><?xml version="1.0" encoding="utf-8"?>
 <p:sld xmlns:a="http://schemas.openxmlformats.org/drawingml/2006/main" xmlns:r="http://schemas.openxmlformats.org/officeDocument/2006/relationships" xmlns:p="http://schemas.openxmlformats.org/presentationml/2006/main">
   <p:cSld>
     <p:spTree>
@@ -3875,7 +4292,7 @@
 </p:sld>
 </file>
 
-<file path=ppt/slides/slide7.xml><?xml version="1.0" encoding="utf-8"?>
+<file path=ppt/slides/slide8.xml><?xml version="1.0" encoding="utf-8"?>
 <p:sld xmlns:a="http://schemas.openxmlformats.org/drawingml/2006/main" xmlns:r="http://schemas.openxmlformats.org/officeDocument/2006/relationships" xmlns:p="http://schemas.openxmlformats.org/presentationml/2006/main">
   <p:cSld>
     <p:spTree>

--- a/Slides/Apresentação_slide.pptx
+++ b/Slides/Apresentação_slide.pptx
@@ -6,13 +6,14 @@
   </p:sldMasterIdLst>
   <p:sldIdLst>
     <p:sldId id="259" r:id="rId2"/>
-    <p:sldId id="258" r:id="rId3"/>
+    <p:sldId id="266" r:id="rId3"/>
     <p:sldId id="262" r:id="rId4"/>
     <p:sldId id="265" r:id="rId5"/>
-    <p:sldId id="263" r:id="rId6"/>
+    <p:sldId id="267" r:id="rId6"/>
     <p:sldId id="260" r:id="rId7"/>
-    <p:sldId id="264" r:id="rId8"/>
+    <p:sldId id="268" r:id="rId8"/>
     <p:sldId id="261" r:id="rId9"/>
+    <p:sldId id="269" r:id="rId10"/>
   </p:sldIdLst>
   <p:sldSz cx="12192000" cy="6858000"/>
   <p:notesSz cx="6858000" cy="9144000"/>
@@ -131,6 +132,10 @@
 </p:cmAuthorLst>
 </file>
 
+<file path=ppt/revisionInfo.xml><?xml version="1.0" encoding="utf-8"?>
+<p1510:revInfo xmlns:a="http://schemas.openxmlformats.org/drawingml/2006/main" xmlns:r="http://schemas.openxmlformats.org/officeDocument/2006/relationships" xmlns:p1510="http://schemas.microsoft.com/office/powerpoint/2015/10/main"/>
+</file>
+
 <file path=ppt/slideLayouts/slideLayout1.xml><?xml version="1.0" encoding="utf-8"?>
 <p:sldLayout xmlns:a="http://schemas.openxmlformats.org/drawingml/2006/main" xmlns:r="http://schemas.openxmlformats.org/officeDocument/2006/relationships" xmlns:p="http://schemas.openxmlformats.org/presentationml/2006/main" type="title" preserve="1">
   <p:cSld name="Slide de título">
@@ -173,10 +178,9 @@
           </a:lstStyle>
           <a:p>
             <a:r>
-              <a:rPr lang="pt-BR" smtClean="0"/>
+              <a:rPr lang="pt-BR"/>
               <a:t>Clique para editar o título mestre</a:t>
             </a:r>
-            <a:endParaRPr lang="pt-BR"/>
           </a:p>
         </p:txBody>
       </p:sp>
@@ -238,10 +242,9 @@
           </a:lstStyle>
           <a:p>
             <a:r>
-              <a:rPr lang="pt-BR" smtClean="0"/>
+              <a:rPr lang="pt-BR"/>
               <a:t>Clique para editar o estilo do subtítulo mestre</a:t>
             </a:r>
-            <a:endParaRPr lang="pt-BR"/>
           </a:p>
         </p:txBody>
       </p:sp>
@@ -262,7 +265,7 @@
           <a:p>
             <a:fld id="{6CE4B8DC-9158-4DEC-A8B9-5CF9251B7768}" type="datetimeFigureOut">
               <a:rPr lang="pt-BR" smtClean="0"/>
-              <a:t>29/11/2017</a:t>
+              <a:t>30/11/2017</a:t>
             </a:fld>
             <a:endParaRPr lang="pt-BR"/>
           </a:p>
@@ -356,10 +359,9 @@
           <a:lstStyle/>
           <a:p>
             <a:r>
-              <a:rPr lang="pt-BR" smtClean="0"/>
+              <a:rPr lang="pt-BR"/>
               <a:t>Clique para editar o título mestre</a:t>
             </a:r>
-            <a:endParaRPr lang="pt-BR"/>
           </a:p>
         </p:txBody>
       </p:sp>
@@ -380,38 +382,37 @@
           <a:p>
             <a:pPr lvl="0"/>
             <a:r>
-              <a:rPr lang="pt-BR" smtClean="0"/>
+              <a:rPr lang="pt-BR"/>
               <a:t>Clique para editar o texto mestre</a:t>
             </a:r>
           </a:p>
           <a:p>
             <a:pPr lvl="1"/>
             <a:r>
-              <a:rPr lang="pt-BR" smtClean="0"/>
+              <a:rPr lang="pt-BR"/>
               <a:t>Segundo nível</a:t>
             </a:r>
           </a:p>
           <a:p>
             <a:pPr lvl="2"/>
             <a:r>
-              <a:rPr lang="pt-BR" smtClean="0"/>
+              <a:rPr lang="pt-BR"/>
               <a:t>Terceiro nível</a:t>
             </a:r>
           </a:p>
           <a:p>
             <a:pPr lvl="3"/>
             <a:r>
-              <a:rPr lang="pt-BR" smtClean="0"/>
+              <a:rPr lang="pt-BR"/>
               <a:t>Quarto nível</a:t>
             </a:r>
           </a:p>
           <a:p>
             <a:pPr lvl="4"/>
             <a:r>
-              <a:rPr lang="pt-BR" smtClean="0"/>
+              <a:rPr lang="pt-BR"/>
               <a:t>Quinto nível</a:t>
             </a:r>
-            <a:endParaRPr lang="pt-BR"/>
           </a:p>
         </p:txBody>
       </p:sp>
@@ -432,7 +433,7 @@
           <a:p>
             <a:fld id="{6CE4B8DC-9158-4DEC-A8B9-5CF9251B7768}" type="datetimeFigureOut">
               <a:rPr lang="pt-BR" smtClean="0"/>
-              <a:t>29/11/2017</a:t>
+              <a:t>30/11/2017</a:t>
             </a:fld>
             <a:endParaRPr lang="pt-BR"/>
           </a:p>
@@ -531,10 +532,9 @@
           <a:lstStyle/>
           <a:p>
             <a:r>
-              <a:rPr lang="pt-BR" smtClean="0"/>
+              <a:rPr lang="pt-BR"/>
               <a:t>Clique para editar o título mestre</a:t>
             </a:r>
-            <a:endParaRPr lang="pt-BR"/>
           </a:p>
         </p:txBody>
       </p:sp>
@@ -560,38 +560,37 @@
           <a:p>
             <a:pPr lvl="0"/>
             <a:r>
-              <a:rPr lang="pt-BR" smtClean="0"/>
+              <a:rPr lang="pt-BR"/>
               <a:t>Clique para editar o texto mestre</a:t>
             </a:r>
           </a:p>
           <a:p>
             <a:pPr lvl="1"/>
             <a:r>
-              <a:rPr lang="pt-BR" smtClean="0"/>
+              <a:rPr lang="pt-BR"/>
               <a:t>Segundo nível</a:t>
             </a:r>
           </a:p>
           <a:p>
             <a:pPr lvl="2"/>
             <a:r>
-              <a:rPr lang="pt-BR" smtClean="0"/>
+              <a:rPr lang="pt-BR"/>
               <a:t>Terceiro nível</a:t>
             </a:r>
           </a:p>
           <a:p>
             <a:pPr lvl="3"/>
             <a:r>
-              <a:rPr lang="pt-BR" smtClean="0"/>
+              <a:rPr lang="pt-BR"/>
               <a:t>Quarto nível</a:t>
             </a:r>
           </a:p>
           <a:p>
             <a:pPr lvl="4"/>
             <a:r>
-              <a:rPr lang="pt-BR" smtClean="0"/>
+              <a:rPr lang="pt-BR"/>
               <a:t>Quinto nível</a:t>
             </a:r>
-            <a:endParaRPr lang="pt-BR"/>
           </a:p>
         </p:txBody>
       </p:sp>
@@ -612,7 +611,7 @@
           <a:p>
             <a:fld id="{6CE4B8DC-9158-4DEC-A8B9-5CF9251B7768}" type="datetimeFigureOut">
               <a:rPr lang="pt-BR" smtClean="0"/>
-              <a:t>29/11/2017</a:t>
+              <a:t>30/11/2017</a:t>
             </a:fld>
             <a:endParaRPr lang="pt-BR"/>
           </a:p>
@@ -706,10 +705,9 @@
           <a:lstStyle/>
           <a:p>
             <a:r>
-              <a:rPr lang="pt-BR" smtClean="0"/>
+              <a:rPr lang="pt-BR"/>
               <a:t>Clique para editar o título mestre</a:t>
             </a:r>
-            <a:endParaRPr lang="pt-BR"/>
           </a:p>
         </p:txBody>
       </p:sp>
@@ -730,38 +728,37 @@
           <a:p>
             <a:pPr lvl="0"/>
             <a:r>
-              <a:rPr lang="pt-BR" smtClean="0"/>
+              <a:rPr lang="pt-BR"/>
               <a:t>Clique para editar o texto mestre</a:t>
             </a:r>
           </a:p>
           <a:p>
             <a:pPr lvl="1"/>
             <a:r>
-              <a:rPr lang="pt-BR" smtClean="0"/>
+              <a:rPr lang="pt-BR"/>
               <a:t>Segundo nível</a:t>
             </a:r>
           </a:p>
           <a:p>
             <a:pPr lvl="2"/>
             <a:r>
-              <a:rPr lang="pt-BR" smtClean="0"/>
+              <a:rPr lang="pt-BR"/>
               <a:t>Terceiro nível</a:t>
             </a:r>
           </a:p>
           <a:p>
             <a:pPr lvl="3"/>
             <a:r>
-              <a:rPr lang="pt-BR" smtClean="0"/>
+              <a:rPr lang="pt-BR"/>
               <a:t>Quarto nível</a:t>
             </a:r>
           </a:p>
           <a:p>
             <a:pPr lvl="4"/>
             <a:r>
-              <a:rPr lang="pt-BR" smtClean="0"/>
+              <a:rPr lang="pt-BR"/>
               <a:t>Quinto nível</a:t>
             </a:r>
-            <a:endParaRPr lang="pt-BR"/>
           </a:p>
         </p:txBody>
       </p:sp>
@@ -782,7 +779,7 @@
           <a:p>
             <a:fld id="{6CE4B8DC-9158-4DEC-A8B9-5CF9251B7768}" type="datetimeFigureOut">
               <a:rPr lang="pt-BR" smtClean="0"/>
-              <a:t>29/11/2017</a:t>
+              <a:t>30/11/2017</a:t>
             </a:fld>
             <a:endParaRPr lang="pt-BR"/>
           </a:p>
@@ -885,10 +882,9 @@
           </a:lstStyle>
           <a:p>
             <a:r>
-              <a:rPr lang="pt-BR" smtClean="0"/>
+              <a:rPr lang="pt-BR"/>
               <a:t>Clique para editar o título mestre</a:t>
             </a:r>
-            <a:endParaRPr lang="pt-BR"/>
           </a:p>
         </p:txBody>
       </p:sp>
@@ -1005,7 +1001,7 @@
           <a:p>
             <a:pPr lvl="0"/>
             <a:r>
-              <a:rPr lang="pt-BR" smtClean="0"/>
+              <a:rPr lang="pt-BR"/>
               <a:t>Clique para editar o texto mestre</a:t>
             </a:r>
           </a:p>
@@ -1028,7 +1024,7 @@
           <a:p>
             <a:fld id="{6CE4B8DC-9158-4DEC-A8B9-5CF9251B7768}" type="datetimeFigureOut">
               <a:rPr lang="pt-BR" smtClean="0"/>
-              <a:t>29/11/2017</a:t>
+              <a:t>30/11/2017</a:t>
             </a:fld>
             <a:endParaRPr lang="pt-BR"/>
           </a:p>
@@ -1122,10 +1118,9 @@
           <a:lstStyle/>
           <a:p>
             <a:r>
-              <a:rPr lang="pt-BR" smtClean="0"/>
+              <a:rPr lang="pt-BR"/>
               <a:t>Clique para editar o título mestre</a:t>
             </a:r>
-            <a:endParaRPr lang="pt-BR"/>
           </a:p>
         </p:txBody>
       </p:sp>
@@ -1151,38 +1146,37 @@
           <a:p>
             <a:pPr lvl="0"/>
             <a:r>
-              <a:rPr lang="pt-BR" smtClean="0"/>
+              <a:rPr lang="pt-BR"/>
               <a:t>Clique para editar o texto mestre</a:t>
             </a:r>
           </a:p>
           <a:p>
             <a:pPr lvl="1"/>
             <a:r>
-              <a:rPr lang="pt-BR" smtClean="0"/>
+              <a:rPr lang="pt-BR"/>
               <a:t>Segundo nível</a:t>
             </a:r>
           </a:p>
           <a:p>
             <a:pPr lvl="2"/>
             <a:r>
-              <a:rPr lang="pt-BR" smtClean="0"/>
+              <a:rPr lang="pt-BR"/>
               <a:t>Terceiro nível</a:t>
             </a:r>
           </a:p>
           <a:p>
             <a:pPr lvl="3"/>
             <a:r>
-              <a:rPr lang="pt-BR" smtClean="0"/>
+              <a:rPr lang="pt-BR"/>
               <a:t>Quarto nível</a:t>
             </a:r>
           </a:p>
           <a:p>
             <a:pPr lvl="4"/>
             <a:r>
-              <a:rPr lang="pt-BR" smtClean="0"/>
+              <a:rPr lang="pt-BR"/>
               <a:t>Quinto nível</a:t>
             </a:r>
-            <a:endParaRPr lang="pt-BR"/>
           </a:p>
         </p:txBody>
       </p:sp>
@@ -1208,38 +1202,37 @@
           <a:p>
             <a:pPr lvl="0"/>
             <a:r>
-              <a:rPr lang="pt-BR" smtClean="0"/>
+              <a:rPr lang="pt-BR"/>
               <a:t>Clique para editar o texto mestre</a:t>
             </a:r>
           </a:p>
           <a:p>
             <a:pPr lvl="1"/>
             <a:r>
-              <a:rPr lang="pt-BR" smtClean="0"/>
+              <a:rPr lang="pt-BR"/>
               <a:t>Segundo nível</a:t>
             </a:r>
           </a:p>
           <a:p>
             <a:pPr lvl="2"/>
             <a:r>
-              <a:rPr lang="pt-BR" smtClean="0"/>
+              <a:rPr lang="pt-BR"/>
               <a:t>Terceiro nível</a:t>
             </a:r>
           </a:p>
           <a:p>
             <a:pPr lvl="3"/>
             <a:r>
-              <a:rPr lang="pt-BR" smtClean="0"/>
+              <a:rPr lang="pt-BR"/>
               <a:t>Quarto nível</a:t>
             </a:r>
           </a:p>
           <a:p>
             <a:pPr lvl="4"/>
             <a:r>
-              <a:rPr lang="pt-BR" smtClean="0"/>
+              <a:rPr lang="pt-BR"/>
               <a:t>Quinto nível</a:t>
             </a:r>
-            <a:endParaRPr lang="pt-BR"/>
           </a:p>
         </p:txBody>
       </p:sp>
@@ -1260,7 +1253,7 @@
           <a:p>
             <a:fld id="{6CE4B8DC-9158-4DEC-A8B9-5CF9251B7768}" type="datetimeFigureOut">
               <a:rPr lang="pt-BR" smtClean="0"/>
-              <a:t>29/11/2017</a:t>
+              <a:t>30/11/2017</a:t>
             </a:fld>
             <a:endParaRPr lang="pt-BR"/>
           </a:p>
@@ -1359,10 +1352,9 @@
           <a:lstStyle/>
           <a:p>
             <a:r>
-              <a:rPr lang="pt-BR" smtClean="0"/>
+              <a:rPr lang="pt-BR"/>
               <a:t>Clique para editar o título mestre</a:t>
             </a:r>
-            <a:endParaRPr lang="pt-BR"/>
           </a:p>
         </p:txBody>
       </p:sp>
@@ -1425,7 +1417,7 @@
           <a:p>
             <a:pPr lvl="0"/>
             <a:r>
-              <a:rPr lang="pt-BR" smtClean="0"/>
+              <a:rPr lang="pt-BR"/>
               <a:t>Clique para editar o texto mestre</a:t>
             </a:r>
           </a:p>
@@ -1453,38 +1445,37 @@
           <a:p>
             <a:pPr lvl="0"/>
             <a:r>
-              <a:rPr lang="pt-BR" smtClean="0"/>
+              <a:rPr lang="pt-BR"/>
               <a:t>Clique para editar o texto mestre</a:t>
             </a:r>
           </a:p>
           <a:p>
             <a:pPr lvl="1"/>
             <a:r>
-              <a:rPr lang="pt-BR" smtClean="0"/>
+              <a:rPr lang="pt-BR"/>
               <a:t>Segundo nível</a:t>
             </a:r>
           </a:p>
           <a:p>
             <a:pPr lvl="2"/>
             <a:r>
-              <a:rPr lang="pt-BR" smtClean="0"/>
+              <a:rPr lang="pt-BR"/>
               <a:t>Terceiro nível</a:t>
             </a:r>
           </a:p>
           <a:p>
             <a:pPr lvl="3"/>
             <a:r>
-              <a:rPr lang="pt-BR" smtClean="0"/>
+              <a:rPr lang="pt-BR"/>
               <a:t>Quarto nível</a:t>
             </a:r>
           </a:p>
           <a:p>
             <a:pPr lvl="4"/>
             <a:r>
-              <a:rPr lang="pt-BR" smtClean="0"/>
+              <a:rPr lang="pt-BR"/>
               <a:t>Quinto nível</a:t>
             </a:r>
-            <a:endParaRPr lang="pt-BR"/>
           </a:p>
         </p:txBody>
       </p:sp>
@@ -1547,7 +1538,7 @@
           <a:p>
             <a:pPr lvl="0"/>
             <a:r>
-              <a:rPr lang="pt-BR" smtClean="0"/>
+              <a:rPr lang="pt-BR"/>
               <a:t>Clique para editar o texto mestre</a:t>
             </a:r>
           </a:p>
@@ -1575,38 +1566,37 @@
           <a:p>
             <a:pPr lvl="0"/>
             <a:r>
-              <a:rPr lang="pt-BR" smtClean="0"/>
+              <a:rPr lang="pt-BR"/>
               <a:t>Clique para editar o texto mestre</a:t>
             </a:r>
           </a:p>
           <a:p>
             <a:pPr lvl="1"/>
             <a:r>
-              <a:rPr lang="pt-BR" smtClean="0"/>
+              <a:rPr lang="pt-BR"/>
               <a:t>Segundo nível</a:t>
             </a:r>
           </a:p>
           <a:p>
             <a:pPr lvl="2"/>
             <a:r>
-              <a:rPr lang="pt-BR" smtClean="0"/>
+              <a:rPr lang="pt-BR"/>
               <a:t>Terceiro nível</a:t>
             </a:r>
           </a:p>
           <a:p>
             <a:pPr lvl="3"/>
             <a:r>
-              <a:rPr lang="pt-BR" smtClean="0"/>
+              <a:rPr lang="pt-BR"/>
               <a:t>Quarto nível</a:t>
             </a:r>
           </a:p>
           <a:p>
             <a:pPr lvl="4"/>
             <a:r>
-              <a:rPr lang="pt-BR" smtClean="0"/>
+              <a:rPr lang="pt-BR"/>
               <a:t>Quinto nível</a:t>
             </a:r>
-            <a:endParaRPr lang="pt-BR"/>
           </a:p>
         </p:txBody>
       </p:sp>
@@ -1627,7 +1617,7 @@
           <a:p>
             <a:fld id="{6CE4B8DC-9158-4DEC-A8B9-5CF9251B7768}" type="datetimeFigureOut">
               <a:rPr lang="pt-BR" smtClean="0"/>
-              <a:t>29/11/2017</a:t>
+              <a:t>30/11/2017</a:t>
             </a:fld>
             <a:endParaRPr lang="pt-BR"/>
           </a:p>
@@ -1721,10 +1711,9 @@
           <a:lstStyle/>
           <a:p>
             <a:r>
-              <a:rPr lang="pt-BR" smtClean="0"/>
+              <a:rPr lang="pt-BR"/>
               <a:t>Clique para editar o título mestre</a:t>
             </a:r>
-            <a:endParaRPr lang="pt-BR"/>
           </a:p>
         </p:txBody>
       </p:sp>
@@ -1745,7 +1734,7 @@
           <a:p>
             <a:fld id="{6CE4B8DC-9158-4DEC-A8B9-5CF9251B7768}" type="datetimeFigureOut">
               <a:rPr lang="pt-BR" smtClean="0"/>
-              <a:t>29/11/2017</a:t>
+              <a:t>30/11/2017</a:t>
             </a:fld>
             <a:endParaRPr lang="pt-BR"/>
           </a:p>
@@ -1840,7 +1829,7 @@
           <a:p>
             <a:fld id="{6CE4B8DC-9158-4DEC-A8B9-5CF9251B7768}" type="datetimeFigureOut">
               <a:rPr lang="pt-BR" smtClean="0"/>
-              <a:t>29/11/2017</a:t>
+              <a:t>30/11/2017</a:t>
             </a:fld>
             <a:endParaRPr lang="pt-BR"/>
           </a:p>
@@ -1943,10 +1932,9 @@
           </a:lstStyle>
           <a:p>
             <a:r>
-              <a:rPr lang="pt-BR" smtClean="0"/>
+              <a:rPr lang="pt-BR"/>
               <a:t>Clique para editar o título mestre</a:t>
             </a:r>
-            <a:endParaRPr lang="pt-BR"/>
           </a:p>
         </p:txBody>
       </p:sp>
@@ -2000,38 +1988,37 @@
           <a:p>
             <a:pPr lvl="0"/>
             <a:r>
-              <a:rPr lang="pt-BR" smtClean="0"/>
+              <a:rPr lang="pt-BR"/>
               <a:t>Clique para editar o texto mestre</a:t>
             </a:r>
           </a:p>
           <a:p>
             <a:pPr lvl="1"/>
             <a:r>
-              <a:rPr lang="pt-BR" smtClean="0"/>
+              <a:rPr lang="pt-BR"/>
               <a:t>Segundo nível</a:t>
             </a:r>
           </a:p>
           <a:p>
             <a:pPr lvl="2"/>
             <a:r>
-              <a:rPr lang="pt-BR" smtClean="0"/>
+              <a:rPr lang="pt-BR"/>
               <a:t>Terceiro nível</a:t>
             </a:r>
           </a:p>
           <a:p>
             <a:pPr lvl="3"/>
             <a:r>
-              <a:rPr lang="pt-BR" smtClean="0"/>
+              <a:rPr lang="pt-BR"/>
               <a:t>Quarto nível</a:t>
             </a:r>
           </a:p>
           <a:p>
             <a:pPr lvl="4"/>
             <a:r>
-              <a:rPr lang="pt-BR" smtClean="0"/>
+              <a:rPr lang="pt-BR"/>
               <a:t>Quinto nível</a:t>
             </a:r>
-            <a:endParaRPr lang="pt-BR"/>
           </a:p>
         </p:txBody>
       </p:sp>
@@ -2094,7 +2081,7 @@
           <a:p>
             <a:pPr lvl="0"/>
             <a:r>
-              <a:rPr lang="pt-BR" smtClean="0"/>
+              <a:rPr lang="pt-BR"/>
               <a:t>Clique para editar o texto mestre</a:t>
             </a:r>
           </a:p>
@@ -2117,7 +2104,7 @@
           <a:p>
             <a:fld id="{6CE4B8DC-9158-4DEC-A8B9-5CF9251B7768}" type="datetimeFigureOut">
               <a:rPr lang="pt-BR" smtClean="0"/>
-              <a:t>29/11/2017</a:t>
+              <a:t>30/11/2017</a:t>
             </a:fld>
             <a:endParaRPr lang="pt-BR"/>
           </a:p>
@@ -2220,10 +2207,9 @@
           </a:lstStyle>
           <a:p>
             <a:r>
-              <a:rPr lang="pt-BR" smtClean="0"/>
+              <a:rPr lang="pt-BR"/>
               <a:t>Clique para editar o título mestre</a:t>
             </a:r>
-            <a:endParaRPr lang="pt-BR"/>
           </a:p>
         </p:txBody>
       </p:sp>
@@ -2347,7 +2333,7 @@
           <a:p>
             <a:pPr lvl="0"/>
             <a:r>
-              <a:rPr lang="pt-BR" smtClean="0"/>
+              <a:rPr lang="pt-BR"/>
               <a:t>Clique para editar o texto mestre</a:t>
             </a:r>
           </a:p>
@@ -2370,7 +2356,7 @@
           <a:p>
             <a:fld id="{6CE4B8DC-9158-4DEC-A8B9-5CF9251B7768}" type="datetimeFigureOut">
               <a:rPr lang="pt-BR" smtClean="0"/>
-              <a:t>29/11/2017</a:t>
+              <a:t>30/11/2017</a:t>
             </a:fld>
             <a:endParaRPr lang="pt-BR"/>
           </a:p>
@@ -2479,10 +2465,9 @@
           <a:lstStyle/>
           <a:p>
             <a:r>
-              <a:rPr lang="pt-BR" smtClean="0"/>
+              <a:rPr lang="pt-BR"/>
               <a:t>Clique para editar o título mestre</a:t>
             </a:r>
-            <a:endParaRPr lang="pt-BR"/>
           </a:p>
         </p:txBody>
       </p:sp>
@@ -2513,38 +2498,37 @@
           <a:p>
             <a:pPr lvl="0"/>
             <a:r>
-              <a:rPr lang="pt-BR" smtClean="0"/>
+              <a:rPr lang="pt-BR"/>
               <a:t>Clique para editar o texto mestre</a:t>
             </a:r>
           </a:p>
           <a:p>
             <a:pPr lvl="1"/>
             <a:r>
-              <a:rPr lang="pt-BR" smtClean="0"/>
+              <a:rPr lang="pt-BR"/>
               <a:t>Segundo nível</a:t>
             </a:r>
           </a:p>
           <a:p>
             <a:pPr lvl="2"/>
             <a:r>
-              <a:rPr lang="pt-BR" smtClean="0"/>
+              <a:rPr lang="pt-BR"/>
               <a:t>Terceiro nível</a:t>
             </a:r>
           </a:p>
           <a:p>
             <a:pPr lvl="3"/>
             <a:r>
-              <a:rPr lang="pt-BR" smtClean="0"/>
+              <a:rPr lang="pt-BR"/>
               <a:t>Quarto nível</a:t>
             </a:r>
           </a:p>
           <a:p>
             <a:pPr lvl="4"/>
             <a:r>
-              <a:rPr lang="pt-BR" smtClean="0"/>
+              <a:rPr lang="pt-BR"/>
               <a:t>Quinto nível</a:t>
             </a:r>
-            <a:endParaRPr lang="pt-BR"/>
           </a:p>
         </p:txBody>
       </p:sp>
@@ -2583,7 +2567,7 @@
           <a:p>
             <a:fld id="{6CE4B8DC-9158-4DEC-A8B9-5CF9251B7768}" type="datetimeFigureOut">
               <a:rPr lang="pt-BR" smtClean="0"/>
-              <a:t>29/11/2017</a:t>
+              <a:t>30/11/2017</a:t>
             </a:fld>
             <a:endParaRPr lang="pt-BR"/>
           </a:p>
@@ -3041,7 +3025,7 @@
           <a:lstStyle/>
           <a:p>
             <a:r>
-              <a:rPr lang="pt-BR" sz="6600" dirty="0" smtClean="0">
+              <a:rPr lang="pt-BR" sz="6600" dirty="0">
                 <a:solidFill>
                   <a:schemeClr val="bg1"/>
                 </a:solidFill>
@@ -3050,13 +3034,6 @@
               </a:rPr>
               <a:t>NullBank</a:t>
             </a:r>
-            <a:endParaRPr lang="pt-BR" sz="6600" dirty="0">
-              <a:solidFill>
-                <a:schemeClr val="bg1"/>
-              </a:solidFill>
-              <a:latin typeface="Roboto Thin" panose="02000000000000000000" pitchFamily="2" charset="0"/>
-              <a:ea typeface="Roboto Thin" panose="02000000000000000000" pitchFamily="2" charset="0"/>
-            </a:endParaRPr>
           </a:p>
         </p:txBody>
       </p:sp>
@@ -3083,7 +3060,7 @@
           <a:lstStyle/>
           <a:p>
             <a:r>
-              <a:rPr lang="pt-BR" sz="2800" dirty="0" smtClean="0">
+              <a:rPr lang="pt-BR" sz="2800" b="1" dirty="0">
                 <a:solidFill>
                   <a:schemeClr val="bg1"/>
                 </a:solidFill>
@@ -3095,7 +3072,7 @@
           </a:p>
           <a:p>
             <a:r>
-              <a:rPr lang="pt-BR" sz="2400" dirty="0" smtClean="0">
+              <a:rPr lang="pt-BR" sz="2400" dirty="0">
                 <a:solidFill>
                   <a:schemeClr val="bg1"/>
                 </a:solidFill>
@@ -3107,7 +3084,7 @@
           </a:p>
           <a:p>
             <a:r>
-              <a:rPr lang="pt-BR" sz="2400" dirty="0" smtClean="0">
+              <a:rPr lang="pt-BR" sz="2400" dirty="0">
                 <a:solidFill>
                   <a:schemeClr val="bg1"/>
                 </a:solidFill>
@@ -3119,7 +3096,7 @@
           </a:p>
           <a:p>
             <a:r>
-              <a:rPr lang="pt-BR" sz="2400" dirty="0" smtClean="0">
+              <a:rPr lang="pt-BR" sz="2400" dirty="0">
                 <a:solidFill>
                   <a:schemeClr val="bg1"/>
                 </a:solidFill>
@@ -3128,13 +3105,6 @@
               </a:rPr>
               <a:t>Francisco Mauro Falcão Matias Filho</a:t>
             </a:r>
-            <a:endParaRPr lang="pt-BR" sz="2400" dirty="0">
-              <a:solidFill>
-                <a:schemeClr val="bg1"/>
-              </a:solidFill>
-              <a:latin typeface="Roboto Thin" panose="02000000000000000000" pitchFamily="2" charset="0"/>
-              <a:ea typeface="Roboto Thin" panose="02000000000000000000" pitchFamily="2" charset="0"/>
-            </a:endParaRPr>
           </a:p>
         </p:txBody>
       </p:sp>
@@ -3148,13 +3118,6 @@
   <p:clrMapOvr>
     <a:masterClrMapping/>
   </p:clrMapOvr>
-  <p:timing>
-    <p:tnLst>
-      <p:par>
-        <p:cTn id="1" dur="indefinite" restart="never" nodeType="tmRoot"/>
-      </p:par>
-    </p:tnLst>
-  </p:timing>
 </p:sld>
 </file>
 
@@ -3199,7 +3162,7 @@
               <a:buNone/>
             </a:pPr>
             <a:r>
-              <a:rPr lang="pt-BR" sz="4800" dirty="0" smtClean="0">
+              <a:rPr lang="pt-BR" sz="4800" dirty="0">
                 <a:solidFill>
                   <a:srgbClr val="001173"/>
                 </a:solidFill>
@@ -3208,26 +3171,21 @@
               </a:rPr>
               <a:t>Introdução</a:t>
             </a:r>
-            <a:endParaRPr lang="pt-BR" sz="4800" dirty="0">
-              <a:solidFill>
-                <a:srgbClr val="001173"/>
-              </a:solidFill>
-              <a:latin typeface="Roboto Thin" panose="02000000000000000000" pitchFamily="2" charset="0"/>
-              <a:ea typeface="Roboto Thin" panose="02000000000000000000" pitchFamily="2" charset="0"/>
-            </a:endParaRPr>
           </a:p>
         </p:txBody>
       </p:sp>
       <p:cxnSp>
         <p:nvCxnSpPr>
           <p:cNvPr id="5" name="Conector reto 4"/>
-          <p:cNvCxnSpPr/>
+          <p:cNvCxnSpPr>
+            <a:cxnSpLocks/>
+          </p:cNvCxnSpPr>
           <p:nvPr/>
         </p:nvCxnSpPr>
         <p:spPr>
-          <a:xfrm flipH="1" flipV="1">
-            <a:off x="1970469" y="3464416"/>
-            <a:ext cx="4700789" cy="1"/>
+          <a:xfrm flipH="1">
+            <a:off x="1970470" y="3464416"/>
+            <a:ext cx="6074572" cy="1"/>
           </a:xfrm>
           <a:prstGeom prst="line">
             <a:avLst/>
@@ -3256,20 +3214,13 @@
     </p:spTree>
     <p:extLst>
       <p:ext uri="{BB962C8B-B14F-4D97-AF65-F5344CB8AC3E}">
-        <p14:creationId xmlns:p14="http://schemas.microsoft.com/office/powerpoint/2010/main" val="3788343870"/>
+        <p14:creationId xmlns:p14="http://schemas.microsoft.com/office/powerpoint/2010/main" val="4100549155"/>
       </p:ext>
     </p:extLst>
   </p:cSld>
   <p:clrMapOvr>
     <a:masterClrMapping/>
   </p:clrMapOvr>
-  <p:timing>
-    <p:tnLst>
-      <p:par>
-        <p:cTn id="1" dur="indefinite" restart="never" nodeType="tmRoot"/>
-      </p:par>
-    </p:tnLst>
-  </p:timing>
 </p:sld>
 </file>
 
@@ -3314,7 +3265,7 @@
           <a:lstStyle/>
           <a:p>
             <a:r>
-              <a:rPr lang="pt-BR" dirty="0" smtClean="0">
+              <a:rPr lang="pt-BR" dirty="0">
                 <a:solidFill>
                   <a:schemeClr val="bg1"/>
                 </a:solidFill>
@@ -3323,13 +3274,6 @@
               </a:rPr>
               <a:t>NullBank</a:t>
             </a:r>
-            <a:endParaRPr lang="pt-BR" dirty="0">
-              <a:solidFill>
-                <a:schemeClr val="bg1"/>
-              </a:solidFill>
-              <a:latin typeface="Roboto Thin" panose="02000000000000000000" pitchFamily="2" charset="0"/>
-              <a:ea typeface="Roboto Thin" panose="02000000000000000000" pitchFamily="2" charset="0"/>
-            </a:endParaRPr>
           </a:p>
         </p:txBody>
       </p:sp>
@@ -3385,23 +3329,19 @@
           <a:lstStyle/>
           <a:p>
             <a:r>
-              <a:rPr lang="pt-BR" sz="2400" dirty="0" smtClean="0">
+              <a:rPr lang="pt-BR" sz="2400" dirty="0">
                 <a:latin typeface="Roboto Thin" panose="02000000000000000000" pitchFamily="2" charset="0"/>
                 <a:ea typeface="Roboto Thin" panose="02000000000000000000" pitchFamily="2" charset="0"/>
               </a:rPr>
-              <a:t>Sistema bancário</a:t>
-            </a:r>
-            <a:r>
-              <a:rPr lang="pt-BR" dirty="0" smtClean="0">
+              <a:t>Sistema Bancário</a:t>
+            </a:r>
+            <a:r>
+              <a:rPr lang="pt-BR" dirty="0">
                 <a:latin typeface="Roboto Thin" panose="02000000000000000000" pitchFamily="2" charset="0"/>
                 <a:ea typeface="Roboto Thin" panose="02000000000000000000" pitchFamily="2" charset="0"/>
               </a:rPr>
               <a:t>.</a:t>
             </a:r>
-            <a:endParaRPr lang="pt-BR" dirty="0">
-              <a:latin typeface="Roboto Thin" panose="02000000000000000000" pitchFamily="2" charset="0"/>
-              <a:ea typeface="Roboto Thin" panose="02000000000000000000" pitchFamily="2" charset="0"/>
-            </a:endParaRPr>
           </a:p>
         </p:txBody>
       </p:sp>
@@ -3428,7 +3368,7 @@
           <a:lstStyle/>
           <a:p>
             <a:r>
-              <a:rPr lang="pt-BR" sz="2400" dirty="0" smtClean="0">
+              <a:rPr lang="pt-BR" sz="2400" dirty="0">
                 <a:solidFill>
                   <a:srgbClr val="001173"/>
                 </a:solidFill>
@@ -3439,7 +3379,7 @@
             </a:r>
           </a:p>
           <a:p>
-            <a:endParaRPr lang="pt-BR" sz="2400" dirty="0" smtClean="0">
+            <a:endParaRPr lang="pt-BR" sz="2400" dirty="0">
               <a:solidFill>
                 <a:srgbClr val="001173"/>
               </a:solidFill>
@@ -3456,7 +3396,7 @@
               <a:buChar char="•"/>
             </a:pPr>
             <a:r>
-              <a:rPr lang="pt-BR" sz="2400" dirty="0" smtClean="0">
+              <a:rPr lang="pt-BR" sz="2400" dirty="0">
                 <a:latin typeface="Roboto Thin" panose="02000000000000000000" pitchFamily="2" charset="0"/>
                 <a:ea typeface="Roboto Thin" panose="02000000000000000000" pitchFamily="2" charset="0"/>
               </a:rPr>
@@ -3473,16 +3413,6 @@
             </a:pPr>
             <a:r>
               <a:rPr lang="pt-BR" sz="2400" dirty="0">
-                <a:solidFill>
-                  <a:srgbClr val="001173"/>
-                </a:solidFill>
-                <a:latin typeface="Roboto Thin" panose="02000000000000000000" pitchFamily="2" charset="0"/>
-                <a:ea typeface="Roboto Thin" panose="02000000000000000000" pitchFamily="2" charset="0"/>
-              </a:rPr>
-              <a:t> </a:t>
-            </a:r>
-            <a:r>
-              <a:rPr lang="pt-BR" sz="2400" dirty="0" smtClean="0">
                 <a:latin typeface="Roboto Thin" panose="02000000000000000000" pitchFamily="2" charset="0"/>
                 <a:ea typeface="Roboto Thin" panose="02000000000000000000" pitchFamily="2" charset="0"/>
               </a:rPr>
@@ -3498,11 +3428,11 @@
               <a:buChar char="•"/>
             </a:pPr>
             <a:r>
-              <a:rPr lang="pt-BR" sz="2400" dirty="0" smtClean="0">
+              <a:rPr lang="pt-BR" sz="2400" dirty="0">
                 <a:latin typeface="Roboto Thin" panose="02000000000000000000" pitchFamily="2" charset="0"/>
                 <a:ea typeface="Roboto Thin" panose="02000000000000000000" pitchFamily="2" charset="0"/>
               </a:rPr>
-              <a:t> Realização de consultas;</a:t>
+              <a:t>Realização de consultas;</a:t>
             </a:r>
           </a:p>
           <a:p>
@@ -3514,28 +3444,12 @@
               <a:buChar char="•"/>
             </a:pPr>
             <a:r>
-              <a:rPr lang="pt-BR" sz="2400" dirty="0" smtClean="0">
+              <a:rPr lang="pt-BR" sz="2400" dirty="0">
                 <a:latin typeface="Roboto Thin" panose="02000000000000000000" pitchFamily="2" charset="0"/>
                 <a:ea typeface="Roboto Thin" panose="02000000000000000000" pitchFamily="2" charset="0"/>
               </a:rPr>
-              <a:t> Realização de transações.</a:t>
-            </a:r>
-          </a:p>
-          <a:p>
-            <a:pPr marL="342900" indent="-342900">
-              <a:buClr>
-                <a:srgbClr val="007EA6"/>
-              </a:buClr>
-              <a:buFont typeface="Arial" panose="020B0604020202020204" pitchFamily="34" charset="0"/>
-              <a:buChar char="•"/>
-            </a:pPr>
-            <a:endParaRPr lang="pt-BR" sz="2400" dirty="0" smtClean="0">
-              <a:solidFill>
-                <a:srgbClr val="001173"/>
-              </a:solidFill>
-              <a:latin typeface="Roboto Thin" panose="02000000000000000000" pitchFamily="2" charset="0"/>
-              <a:ea typeface="Roboto Thin" panose="02000000000000000000" pitchFamily="2" charset="0"/>
-            </a:endParaRPr>
+              <a:t>Realização de transações.</a:t>
+            </a:r>
           </a:p>
           <a:p>
             <a:pPr marL="342900" indent="-342900">
@@ -3553,6 +3467,22 @@
               <a:ea typeface="Roboto Thin" panose="02000000000000000000" pitchFamily="2" charset="0"/>
             </a:endParaRPr>
           </a:p>
+          <a:p>
+            <a:pPr marL="342900" indent="-342900">
+              <a:buClr>
+                <a:srgbClr val="007EA6"/>
+              </a:buClr>
+              <a:buFont typeface="Arial" panose="020B0604020202020204" pitchFamily="34" charset="0"/>
+              <a:buChar char="•"/>
+            </a:pPr>
+            <a:endParaRPr lang="pt-BR" sz="2400" dirty="0">
+              <a:solidFill>
+                <a:srgbClr val="001173"/>
+              </a:solidFill>
+              <a:latin typeface="Roboto Thin" panose="02000000000000000000" pitchFamily="2" charset="0"/>
+              <a:ea typeface="Roboto Thin" panose="02000000000000000000" pitchFamily="2" charset="0"/>
+            </a:endParaRPr>
+          </a:p>
         </p:txBody>
       </p:sp>
     </p:spTree>
@@ -3565,13 +3495,6 @@
   <p:clrMapOvr>
     <a:masterClrMapping/>
   </p:clrMapOvr>
-  <p:timing>
-    <p:tnLst>
-      <p:par>
-        <p:cTn id="1" dur="indefinite" restart="never" nodeType="tmRoot"/>
-      </p:par>
-    </p:tnLst>
-  </p:timing>
 </p:sld>
 </file>
 
@@ -3616,7 +3539,7 @@
           <a:lstStyle/>
           <a:p>
             <a:r>
-              <a:rPr lang="pt-BR" dirty="0" smtClean="0">
+              <a:rPr lang="pt-BR" dirty="0">
                 <a:solidFill>
                   <a:schemeClr val="bg1"/>
                 </a:solidFill>
@@ -3625,13 +3548,6 @@
               </a:rPr>
               <a:t>NullBank</a:t>
             </a:r>
-            <a:endParaRPr lang="pt-BR" dirty="0">
-              <a:solidFill>
-                <a:schemeClr val="bg1"/>
-              </a:solidFill>
-              <a:latin typeface="Roboto Thin" panose="02000000000000000000" pitchFamily="2" charset="0"/>
-              <a:ea typeface="Roboto Thin" panose="02000000000000000000" pitchFamily="2" charset="0"/>
-            </a:endParaRPr>
           </a:p>
         </p:txBody>
       </p:sp>
@@ -3658,23 +3574,19 @@
           <a:lstStyle/>
           <a:p>
             <a:r>
-              <a:rPr lang="pt-BR" sz="2400" dirty="0" smtClean="0">
+              <a:rPr lang="pt-BR" sz="2400" dirty="0">
                 <a:latin typeface="Roboto Thin" panose="02000000000000000000" pitchFamily="2" charset="0"/>
                 <a:ea typeface="Roboto Thin" panose="02000000000000000000" pitchFamily="2" charset="0"/>
               </a:rPr>
-              <a:t>Sistema bancário</a:t>
-            </a:r>
-            <a:r>
-              <a:rPr lang="pt-BR" dirty="0" smtClean="0">
+              <a:t>Sistema Bancário</a:t>
+            </a:r>
+            <a:r>
+              <a:rPr lang="pt-BR" dirty="0">
                 <a:latin typeface="Roboto Thin" panose="02000000000000000000" pitchFamily="2" charset="0"/>
                 <a:ea typeface="Roboto Thin" panose="02000000000000000000" pitchFamily="2" charset="0"/>
               </a:rPr>
               <a:t>.</a:t>
             </a:r>
-            <a:endParaRPr lang="pt-BR" dirty="0">
-              <a:latin typeface="Roboto Thin" panose="02000000000000000000" pitchFamily="2" charset="0"/>
-              <a:ea typeface="Roboto Thin" panose="02000000000000000000" pitchFamily="2" charset="0"/>
-            </a:endParaRPr>
           </a:p>
         </p:txBody>
       </p:sp>
@@ -3699,22 +3611,6 @@
             <a:spAutoFit/>
           </a:bodyPr>
           <a:lstStyle/>
-          <a:p>
-            <a:pPr marL="342900" indent="-342900">
-              <a:buClr>
-                <a:srgbClr val="007EA6"/>
-              </a:buClr>
-              <a:buFont typeface="Arial" panose="020B0604020202020204" pitchFamily="34" charset="0"/>
-              <a:buChar char="•"/>
-            </a:pPr>
-            <a:endParaRPr lang="pt-BR" sz="2400" dirty="0" smtClean="0">
-              <a:solidFill>
-                <a:srgbClr val="001173"/>
-              </a:solidFill>
-              <a:latin typeface="Roboto Thin" panose="02000000000000000000" pitchFamily="2" charset="0"/>
-              <a:ea typeface="Roboto Thin" panose="02000000000000000000" pitchFamily="2" charset="0"/>
-            </a:endParaRPr>
-          </a:p>
           <a:p>
             <a:pPr marL="342900" indent="-342900">
               <a:buClr>
@@ -3731,6 +3627,22 @@
               <a:ea typeface="Roboto Thin" panose="02000000000000000000" pitchFamily="2" charset="0"/>
             </a:endParaRPr>
           </a:p>
+          <a:p>
+            <a:pPr marL="342900" indent="-342900">
+              <a:buClr>
+                <a:srgbClr val="007EA6"/>
+              </a:buClr>
+              <a:buFont typeface="Arial" panose="020B0604020202020204" pitchFamily="34" charset="0"/>
+              <a:buChar char="•"/>
+            </a:pPr>
+            <a:endParaRPr lang="pt-BR" sz="2400" dirty="0">
+              <a:solidFill>
+                <a:srgbClr val="001173"/>
+              </a:solidFill>
+              <a:latin typeface="Roboto Thin" panose="02000000000000000000" pitchFamily="2" charset="0"/>
+              <a:ea typeface="Roboto Thin" panose="02000000000000000000" pitchFamily="2" charset="0"/>
+            </a:endParaRPr>
+          </a:p>
         </p:txBody>
       </p:sp>
       <p:sp>
@@ -3749,25 +3661,25 @@
           <a:lstStyle/>
           <a:p>
             <a:r>
-              <a:rPr lang="pt-BR" dirty="0" smtClean="0"/>
+              <a:rPr lang="pt-BR" dirty="0"/>
               <a:t>Aqui será inserido </a:t>
             </a:r>
             <a:r>
-              <a:rPr lang="pt-BR" dirty="0" err="1" smtClean="0"/>
+              <a:rPr lang="pt-BR" dirty="0" err="1"/>
               <a:t>prints</a:t>
             </a:r>
             <a:r>
-              <a:rPr lang="pt-BR" dirty="0" smtClean="0"/>
+              <a:rPr lang="pt-BR" dirty="0"/>
               <a:t> das telas</a:t>
             </a:r>
           </a:p>
           <a:p>
             <a:r>
-              <a:rPr lang="pt-BR" dirty="0" smtClean="0"/>
+              <a:rPr lang="pt-BR" dirty="0"/>
               <a:t>Aqui e nos </a:t>
             </a:r>
             <a:r>
-              <a:rPr lang="pt-BR" smtClean="0"/>
+              <a:rPr lang="pt-BR"/>
               <a:t>próximo slides.</a:t>
             </a:r>
             <a:endParaRPr lang="pt-BR" dirty="0"/>
@@ -3784,13 +3696,6 @@
   <p:clrMapOvr>
     <a:masterClrMapping/>
   </p:clrMapOvr>
-  <p:timing>
-    <p:tnLst>
-      <p:par>
-        <p:cTn id="1" dur="indefinite" restart="never" nodeType="tmRoot"/>
-      </p:par>
-    </p:tnLst>
-  </p:timing>
 </p:sld>
 </file>
 
@@ -3835,7 +3740,7 @@
               <a:buNone/>
             </a:pPr>
             <a:r>
-              <a:rPr lang="pt-BR" sz="4800" dirty="0" smtClean="0">
+              <a:rPr lang="pt-BR" sz="4800" dirty="0">
                 <a:solidFill>
                   <a:srgbClr val="001173"/>
                 </a:solidFill>
@@ -3844,26 +3749,21 @@
               </a:rPr>
               <a:t>Desenvolvimento</a:t>
             </a:r>
-            <a:endParaRPr lang="pt-BR" sz="4800" dirty="0">
-              <a:solidFill>
-                <a:srgbClr val="001173"/>
-              </a:solidFill>
-              <a:latin typeface="Roboto Thin" panose="02000000000000000000" pitchFamily="2" charset="0"/>
-              <a:ea typeface="Roboto Thin" panose="02000000000000000000" pitchFamily="2" charset="0"/>
-            </a:endParaRPr>
           </a:p>
         </p:txBody>
       </p:sp>
       <p:cxnSp>
         <p:nvCxnSpPr>
           <p:cNvPr id="5" name="Conector reto 4"/>
-          <p:cNvCxnSpPr/>
+          <p:cNvCxnSpPr>
+            <a:cxnSpLocks/>
+          </p:cNvCxnSpPr>
           <p:nvPr/>
         </p:nvCxnSpPr>
         <p:spPr>
           <a:xfrm flipH="1">
-            <a:off x="1970470" y="3451538"/>
-            <a:ext cx="5512155" cy="12879"/>
+            <a:off x="1970470" y="3464416"/>
+            <a:ext cx="6074572" cy="1"/>
           </a:xfrm>
           <a:prstGeom prst="line">
             <a:avLst/>
@@ -3892,20 +3792,13 @@
     </p:spTree>
     <p:extLst>
       <p:ext uri="{BB962C8B-B14F-4D97-AF65-F5344CB8AC3E}">
-        <p14:creationId xmlns:p14="http://schemas.microsoft.com/office/powerpoint/2010/main" val="1802224527"/>
+        <p14:creationId xmlns:p14="http://schemas.microsoft.com/office/powerpoint/2010/main" val="2601096475"/>
       </p:ext>
     </p:extLst>
   </p:cSld>
   <p:clrMapOvr>
     <a:masterClrMapping/>
   </p:clrMapOvr>
-  <p:timing>
-    <p:tnLst>
-      <p:par>
-        <p:cTn id="1" dur="indefinite" restart="never" nodeType="tmRoot"/>
-      </p:par>
-    </p:tnLst>
-  </p:timing>
 </p:sld>
 </file>
 
@@ -3950,22 +3843,15 @@
           <a:lstStyle/>
           <a:p>
             <a:r>
-              <a:rPr lang="pt-BR" dirty="0" smtClean="0">
+              <a:rPr lang="pt-BR" dirty="0">
                 <a:solidFill>
                   <a:schemeClr val="bg1"/>
                 </a:solidFill>
                 <a:latin typeface="Roboto Thin" panose="02000000000000000000" pitchFamily="2" charset="0"/>
                 <a:ea typeface="Roboto Thin" panose="02000000000000000000" pitchFamily="2" charset="0"/>
               </a:rPr>
-              <a:t>Tecnologias utilizadas</a:t>
-            </a:r>
-            <a:endParaRPr lang="pt-BR" dirty="0">
-              <a:solidFill>
-                <a:schemeClr val="bg1"/>
-              </a:solidFill>
-              <a:latin typeface="Roboto Thin" panose="02000000000000000000" pitchFamily="2" charset="0"/>
-              <a:ea typeface="Roboto Thin" panose="02000000000000000000" pitchFamily="2" charset="0"/>
-            </a:endParaRPr>
+              <a:t>Tecnologias Utilizadas</a:t>
+            </a:r>
           </a:p>
         </p:txBody>
       </p:sp>
@@ -3990,7 +3876,7 @@
               </a:buClr>
             </a:pPr>
             <a:r>
-              <a:rPr lang="pt-BR" dirty="0" smtClean="0">
+              <a:rPr lang="pt-BR" dirty="0">
                 <a:latin typeface="Roboto Thin" panose="02000000000000000000" pitchFamily="2" charset="0"/>
                 <a:ea typeface="Roboto Thin" panose="02000000000000000000" pitchFamily="2" charset="0"/>
               </a:rPr>
@@ -4004,23 +3890,12 @@
               </a:buClr>
             </a:pPr>
             <a:r>
-              <a:rPr lang="pt-BR" dirty="0" smtClean="0">
+              <a:rPr lang="pt-BR" dirty="0">
                 <a:latin typeface="Roboto Thin" panose="02000000000000000000" pitchFamily="2" charset="0"/>
                 <a:ea typeface="Roboto Thin" panose="02000000000000000000" pitchFamily="2" charset="0"/>
               </a:rPr>
-              <a:t>MySQL Workbench </a:t>
-            </a:r>
-            <a:r>
-              <a:rPr lang="pt-BR" dirty="0" smtClean="0">
-                <a:latin typeface="Roboto Thin" panose="02000000000000000000" pitchFamily="2" charset="0"/>
-                <a:ea typeface="Roboto Thin" panose="02000000000000000000" pitchFamily="2" charset="0"/>
-              </a:rPr>
-              <a:t> 6.3 – modelagem;</a:t>
-            </a:r>
-            <a:endParaRPr lang="pt-BR" dirty="0" smtClean="0">
-              <a:latin typeface="Roboto Thin" panose="02000000000000000000" pitchFamily="2" charset="0"/>
-              <a:ea typeface="Roboto Thin" panose="02000000000000000000" pitchFamily="2" charset="0"/>
-            </a:endParaRPr>
+              <a:t>MySQL Workbench  6.3 - modelagem;</a:t>
+            </a:r>
           </a:p>
           <a:p>
             <a:pPr lvl="1">
@@ -4029,11 +3904,11 @@
               </a:buClr>
             </a:pPr>
             <a:r>
-              <a:rPr lang="pt-BR" dirty="0" smtClean="0">
+              <a:rPr lang="pt-BR" dirty="0">
                 <a:latin typeface="Roboto Thin" panose="02000000000000000000" pitchFamily="2" charset="0"/>
                 <a:ea typeface="Roboto Thin" panose="02000000000000000000" pitchFamily="2" charset="0"/>
               </a:rPr>
-              <a:t>SQL – h.</a:t>
+              <a:t>MySQL Server 5.7.19 - h.</a:t>
             </a:r>
           </a:p>
           <a:p>
@@ -4043,7 +3918,7 @@
               </a:buClr>
               <a:buNone/>
             </a:pPr>
-            <a:endParaRPr lang="pt-BR" dirty="0" smtClean="0">
+            <a:endParaRPr lang="pt-BR" dirty="0">
               <a:latin typeface="Roboto Thin" panose="02000000000000000000" pitchFamily="2" charset="0"/>
               <a:ea typeface="Roboto Thin" panose="02000000000000000000" pitchFamily="2" charset="0"/>
             </a:endParaRPr>
@@ -4055,7 +3930,7 @@
               </a:buClr>
             </a:pPr>
             <a:r>
-              <a:rPr lang="pt-BR" dirty="0" smtClean="0">
+              <a:rPr lang="pt-BR" dirty="0">
                 <a:latin typeface="Roboto Thin" panose="02000000000000000000" pitchFamily="2" charset="0"/>
                 <a:ea typeface="Roboto Thin" panose="02000000000000000000" pitchFamily="2" charset="0"/>
               </a:rPr>
@@ -4069,7 +3944,7 @@
               </a:buClr>
             </a:pPr>
             <a:r>
-              <a:rPr lang="pt-BR" dirty="0" smtClean="0">
+              <a:rPr lang="pt-BR" dirty="0">
                 <a:latin typeface="Roboto Thin" panose="02000000000000000000" pitchFamily="2" charset="0"/>
                 <a:ea typeface="Roboto Thin" panose="02000000000000000000" pitchFamily="2" charset="0"/>
               </a:rPr>
@@ -4083,11 +3958,25 @@
               </a:buClr>
             </a:pPr>
             <a:r>
-              <a:rPr lang="pt-BR" dirty="0" smtClean="0">
+              <a:rPr lang="pt-BR" dirty="0">
                 <a:latin typeface="Roboto Thin" panose="02000000000000000000" pitchFamily="2" charset="0"/>
                 <a:ea typeface="Roboto Thin" panose="02000000000000000000" pitchFamily="2" charset="0"/>
               </a:rPr>
-              <a:t>CSS.</a:t>
+              <a:t>CSS 3 - </a:t>
+            </a:r>
+            <a:r>
+              <a:rPr lang="pt-BR" dirty="0" err="1">
+                <a:latin typeface="Roboto Thin" panose="02000000000000000000" pitchFamily="2" charset="0"/>
+                <a:ea typeface="Roboto Thin" panose="02000000000000000000" pitchFamily="2" charset="0"/>
+              </a:rPr>
+              <a:t>Bootstrap</a:t>
+            </a:r>
+            <a:r>
+              <a:rPr lang="pt-BR" dirty="0">
+                <a:latin typeface="Roboto Thin" panose="02000000000000000000" pitchFamily="2" charset="0"/>
+                <a:ea typeface="Roboto Thin" panose="02000000000000000000" pitchFamily="2" charset="0"/>
+              </a:rPr>
+              <a:t> 4.0 Beta;</a:t>
             </a:r>
           </a:p>
           <a:p>
@@ -4097,18 +3986,18 @@
               </a:buClr>
             </a:pPr>
             <a:r>
-              <a:rPr lang="pt-BR" dirty="0" err="1" smtClean="0">
+              <a:rPr lang="pt-BR" dirty="0" err="1">
                 <a:latin typeface="Roboto Thin" panose="02000000000000000000" pitchFamily="2" charset="0"/>
                 <a:ea typeface="Roboto Thin" panose="02000000000000000000" pitchFamily="2" charset="0"/>
               </a:rPr>
               <a:t>Electron</a:t>
             </a:r>
             <a:r>
-              <a:rPr lang="pt-BR" dirty="0" smtClean="0">
+              <a:rPr lang="pt-BR" dirty="0">
                 <a:latin typeface="Roboto Thin" panose="02000000000000000000" pitchFamily="2" charset="0"/>
                 <a:ea typeface="Roboto Thin" panose="02000000000000000000" pitchFamily="2" charset="0"/>
               </a:rPr>
-              <a:t>;</a:t>
+              <a:t> 1.7.9;</a:t>
             </a:r>
           </a:p>
           <a:p>
@@ -4118,42 +4007,33 @@
               </a:buClr>
             </a:pPr>
             <a:r>
-              <a:rPr lang="pt-BR" dirty="0" err="1" smtClean="0">
+              <a:rPr lang="pt-BR" dirty="0" err="1">
                 <a:latin typeface="Roboto Thin" panose="02000000000000000000" pitchFamily="2" charset="0"/>
                 <a:ea typeface="Roboto Thin" panose="02000000000000000000" pitchFamily="2" charset="0"/>
               </a:rPr>
               <a:t>JavaScript</a:t>
             </a:r>
             <a:r>
-              <a:rPr lang="pt-BR" dirty="0" smtClean="0">
+              <a:rPr lang="pt-BR" dirty="0">
                 <a:latin typeface="Roboto Thin" panose="02000000000000000000" pitchFamily="2" charset="0"/>
                 <a:ea typeface="Roboto Thin" panose="02000000000000000000" pitchFamily="2" charset="0"/>
               </a:rPr>
-              <a:t>.</a:t>
-            </a:r>
-          </a:p>
-          <a:p>
-            <a:pPr marL="457200" lvl="1" indent="0">
-              <a:buClr>
-                <a:srgbClr val="001173"/>
-              </a:buClr>
-              <a:buNone/>
-            </a:pPr>
-            <a:endParaRPr lang="pt-BR" dirty="0" smtClean="0">
-              <a:latin typeface="Roboto Thin" panose="02000000000000000000" pitchFamily="2" charset="0"/>
-              <a:ea typeface="Roboto Thin" panose="02000000000000000000" pitchFamily="2" charset="0"/>
-            </a:endParaRPr>
-          </a:p>
-          <a:p>
-            <a:pPr lvl="1">
-              <a:buClr>
-                <a:srgbClr val="001173"/>
-              </a:buClr>
-            </a:pPr>
-            <a:endParaRPr lang="pt-BR" dirty="0">
-              <a:latin typeface="Roboto Thin" panose="02000000000000000000" pitchFamily="2" charset="0"/>
-              <a:ea typeface="Roboto Thin" panose="02000000000000000000" pitchFamily="2" charset="0"/>
-            </a:endParaRPr>
+              <a:t>  - </a:t>
+            </a:r>
+            <a:r>
+              <a:rPr lang="pt-BR" dirty="0" err="1">
+                <a:latin typeface="Roboto Thin" panose="02000000000000000000" pitchFamily="2" charset="0"/>
+                <a:ea typeface="Roboto Thin" panose="02000000000000000000" pitchFamily="2" charset="0"/>
+              </a:rPr>
+              <a:t>NodeJS</a:t>
+            </a:r>
+            <a:r>
+              <a:rPr lang="pt-BR" dirty="0">
+                <a:latin typeface="Roboto Thin" panose="02000000000000000000" pitchFamily="2" charset="0"/>
+                <a:ea typeface="Roboto Thin" panose="02000000000000000000" pitchFamily="2" charset="0"/>
+              </a:rPr>
+              <a:t> 6.11.5.</a:t>
+            </a:r>
           </a:p>
         </p:txBody>
       </p:sp>
@@ -4167,13 +4047,6 @@
   <p:clrMapOvr>
     <a:masterClrMapping/>
   </p:clrMapOvr>
-  <p:timing>
-    <p:tnLst>
-      <p:par>
-        <p:cTn id="1" dur="indefinite" restart="never" nodeType="tmRoot"/>
-      </p:par>
-    </p:tnLst>
-  </p:timing>
 </p:sld>
 </file>
 
@@ -4218,7 +4091,7 @@
               <a:buNone/>
             </a:pPr>
             <a:r>
-              <a:rPr lang="pt-BR" sz="4800" dirty="0" smtClean="0">
+              <a:rPr lang="pt-BR" sz="4800" dirty="0">
                 <a:solidFill>
                   <a:srgbClr val="001173"/>
                 </a:solidFill>
@@ -4227,26 +4100,21 @@
               </a:rPr>
               <a:t>Demonstração</a:t>
             </a:r>
-            <a:endParaRPr lang="pt-BR" sz="4800" dirty="0">
-              <a:solidFill>
-                <a:srgbClr val="001173"/>
-              </a:solidFill>
-              <a:latin typeface="Roboto Thin" panose="02000000000000000000" pitchFamily="2" charset="0"/>
-              <a:ea typeface="Roboto Thin" panose="02000000000000000000" pitchFamily="2" charset="0"/>
-            </a:endParaRPr>
           </a:p>
         </p:txBody>
       </p:sp>
       <p:cxnSp>
         <p:nvCxnSpPr>
           <p:cNvPr id="5" name="Conector reto 4"/>
-          <p:cNvCxnSpPr/>
+          <p:cNvCxnSpPr>
+            <a:cxnSpLocks/>
+          </p:cNvCxnSpPr>
           <p:nvPr/>
         </p:nvCxnSpPr>
         <p:spPr>
           <a:xfrm flipH="1">
-            <a:off x="1970470" y="3451538"/>
-            <a:ext cx="5512155" cy="12879"/>
+            <a:off x="1970470" y="3464416"/>
+            <a:ext cx="6074572" cy="1"/>
           </a:xfrm>
           <a:prstGeom prst="line">
             <a:avLst/>
@@ -4275,20 +4143,13 @@
     </p:spTree>
     <p:extLst>
       <p:ext uri="{BB962C8B-B14F-4D97-AF65-F5344CB8AC3E}">
-        <p14:creationId xmlns:p14="http://schemas.microsoft.com/office/powerpoint/2010/main" val="777181743"/>
+        <p14:creationId xmlns:p14="http://schemas.microsoft.com/office/powerpoint/2010/main" val="3548836521"/>
       </p:ext>
     </p:extLst>
   </p:cSld>
   <p:clrMapOvr>
     <a:masterClrMapping/>
   </p:clrMapOvr>
-  <p:timing>
-    <p:tnLst>
-      <p:par>
-        <p:cTn id="1" dur="indefinite" restart="never" nodeType="tmRoot"/>
-      </p:par>
-    </p:tnLst>
-  </p:timing>
 </p:sld>
 </file>
 
@@ -4333,7 +4194,7 @@
           <a:lstStyle/>
           <a:p>
             <a:r>
-              <a:rPr lang="pt-BR" dirty="0" smtClean="0">
+              <a:rPr lang="pt-BR" dirty="0">
                 <a:solidFill>
                   <a:schemeClr val="bg1"/>
                 </a:solidFill>
@@ -4342,13 +4203,6 @@
               </a:rPr>
               <a:t>Conclusão</a:t>
             </a:r>
-            <a:endParaRPr lang="pt-BR" dirty="0">
-              <a:solidFill>
-                <a:schemeClr val="bg1"/>
-              </a:solidFill>
-              <a:latin typeface="Roboto Thin" panose="02000000000000000000" pitchFamily="2" charset="0"/>
-              <a:ea typeface="Roboto Thin" panose="02000000000000000000" pitchFamily="2" charset="0"/>
-            </a:endParaRPr>
           </a:p>
         </p:txBody>
       </p:sp>
@@ -4370,7 +4224,7 @@
             <a:pPr marL="0" indent="0">
               <a:buNone/>
             </a:pPr>
-            <a:endParaRPr lang="pt-BR" smtClean="0">
+            <a:endParaRPr lang="pt-BR">
               <a:latin typeface="Roboto Thin" panose="02000000000000000000" pitchFamily="2" charset="0"/>
               <a:ea typeface="Roboto Thin" panose="02000000000000000000" pitchFamily="2" charset="0"/>
             </a:endParaRPr>
@@ -4387,13 +4241,172 @@
   <p:clrMapOvr>
     <a:masterClrMapping/>
   </p:clrMapOvr>
-  <p:timing>
-    <p:tnLst>
-      <p:par>
-        <p:cTn id="1" dur="indefinite" restart="never" nodeType="tmRoot"/>
-      </p:par>
-    </p:tnLst>
-  </p:timing>
+</p:sld>
+</file>
+
+<file path=ppt/slides/slide9.xml><?xml version="1.0" encoding="utf-8"?>
+<p:sld xmlns:a="http://schemas.openxmlformats.org/drawingml/2006/main" xmlns:r="http://schemas.openxmlformats.org/officeDocument/2006/relationships" xmlns:p="http://schemas.openxmlformats.org/presentationml/2006/main">
+  <p:cSld>
+    <p:spTree>
+      <p:nvGrpSpPr>
+        <p:cNvPr id="1" name=""/>
+        <p:cNvGrpSpPr/>
+        <p:nvPr/>
+      </p:nvGrpSpPr>
+      <p:grpSpPr>
+        <a:xfrm>
+          <a:off x="0" y="0"/>
+          <a:ext cx="0" cy="0"/>
+          <a:chOff x="0" y="0"/>
+          <a:chExt cx="0" cy="0"/>
+        </a:xfrm>
+      </p:grpSpPr>
+      <p:sp>
+        <p:nvSpPr>
+          <p:cNvPr id="2" name="Título 1"/>
+          <p:cNvSpPr>
+            <a:spLocks noGrp="1"/>
+          </p:cNvSpPr>
+          <p:nvPr>
+            <p:ph type="title"/>
+          </p:nvPr>
+        </p:nvSpPr>
+        <p:spPr>
+          <a:xfrm>
+            <a:off x="0" y="1"/>
+            <a:ext cx="12192000" cy="1030310"/>
+          </a:xfrm>
+          <a:solidFill>
+            <a:srgbClr val="007EA6"/>
+          </a:solidFill>
+        </p:spPr>
+        <p:txBody>
+          <a:bodyPr/>
+          <a:lstStyle/>
+          <a:p>
+            <a:r>
+              <a:rPr lang="pt-BR" dirty="0">
+                <a:solidFill>
+                  <a:schemeClr val="bg1"/>
+                </a:solidFill>
+                <a:latin typeface="Roboto Thin" panose="02000000000000000000" pitchFamily="2" charset="0"/>
+                <a:ea typeface="Roboto Thin" panose="02000000000000000000" pitchFamily="2" charset="0"/>
+              </a:rPr>
+              <a:t>Referências</a:t>
+            </a:r>
+          </a:p>
+        </p:txBody>
+      </p:sp>
+      <p:sp>
+        <p:nvSpPr>
+          <p:cNvPr id="3" name="Espaço Reservado para Conteúdo 2"/>
+          <p:cNvSpPr>
+            <a:spLocks noGrp="1"/>
+          </p:cNvSpPr>
+          <p:nvPr>
+            <p:ph idx="1"/>
+          </p:nvPr>
+        </p:nvSpPr>
+        <p:spPr/>
+        <p:txBody>
+          <a:bodyPr/>
+          <a:lstStyle/>
+          <a:p>
+            <a:pPr>
+              <a:buClr>
+                <a:srgbClr val="001173"/>
+              </a:buClr>
+            </a:pPr>
+            <a:r>
+              <a:rPr lang="pt-BR" dirty="0">
+                <a:latin typeface="Roboto Thin" panose="02000000000000000000" pitchFamily="2" charset="0"/>
+                <a:ea typeface="Roboto Thin" panose="02000000000000000000" pitchFamily="2" charset="0"/>
+              </a:rPr>
+              <a:t>https://electronjs.org/docs/api</a:t>
+            </a:r>
+          </a:p>
+          <a:p>
+            <a:pPr>
+              <a:buClr>
+                <a:srgbClr val="001173"/>
+              </a:buClr>
+            </a:pPr>
+            <a:r>
+              <a:rPr lang="pt-BR" dirty="0">
+                <a:latin typeface="Roboto Thin" panose="02000000000000000000" pitchFamily="2" charset="0"/>
+                <a:ea typeface="Roboto Thin" panose="02000000000000000000" pitchFamily="2" charset="0"/>
+              </a:rPr>
+              <a:t>https://getbootstrap.com/docs/4.0/getting-started/introduction</a:t>
+            </a:r>
+          </a:p>
+          <a:p>
+            <a:pPr>
+              <a:buClr>
+                <a:srgbClr val="001173"/>
+              </a:buClr>
+            </a:pPr>
+            <a:r>
+              <a:rPr lang="pt-BR" dirty="0">
+                <a:latin typeface="Roboto Thin" panose="02000000000000000000" pitchFamily="2" charset="0"/>
+                <a:ea typeface="Roboto Thin" panose="02000000000000000000" pitchFamily="2" charset="0"/>
+              </a:rPr>
+              <a:t>https://www.npmjs.com/package/mysql</a:t>
+            </a:r>
+          </a:p>
+          <a:p>
+            <a:pPr>
+              <a:buClr>
+                <a:srgbClr val="001173"/>
+              </a:buClr>
+            </a:pPr>
+            <a:r>
+              <a:rPr lang="pt-BR" dirty="0">
+                <a:latin typeface="Roboto Thin" panose="02000000000000000000" pitchFamily="2" charset="0"/>
+                <a:ea typeface="Roboto Thin" panose="02000000000000000000" pitchFamily="2" charset="0"/>
+              </a:rPr>
+              <a:t>https://developer.mozilla.org/pt-BR/docs/Web/JavaScript</a:t>
+            </a:r>
+          </a:p>
+          <a:p>
+            <a:pPr>
+              <a:buClr>
+                <a:srgbClr val="001173"/>
+              </a:buClr>
+            </a:pPr>
+            <a:r>
+              <a:rPr lang="pt-BR" dirty="0">
+                <a:latin typeface="Roboto Thin" panose="02000000000000000000" pitchFamily="2" charset="0"/>
+                <a:ea typeface="Roboto Thin" panose="02000000000000000000" pitchFamily="2" charset="0"/>
+              </a:rPr>
+              <a:t>https://developer.mozilla.org/pt-BR/docs/Web/HTML</a:t>
+            </a:r>
+          </a:p>
+          <a:p>
+            <a:pPr>
+              <a:buClr>
+                <a:srgbClr val="001173"/>
+              </a:buClr>
+            </a:pPr>
+            <a:r>
+              <a:rPr lang="pt-BR" dirty="0">
+                <a:latin typeface="Roboto Thin" panose="02000000000000000000" pitchFamily="2" charset="0"/>
+                <a:ea typeface="Roboto Thin" panose="02000000000000000000" pitchFamily="2" charset="0"/>
+              </a:rPr>
+              <a:t>https://dev.mysql.com/doc</a:t>
+            </a:r>
+          </a:p>
+        </p:txBody>
+      </p:sp>
+    </p:spTree>
+    <p:extLst>
+      <p:ext uri="{BB962C8B-B14F-4D97-AF65-F5344CB8AC3E}">
+        <p14:creationId xmlns:p14="http://schemas.microsoft.com/office/powerpoint/2010/main" val="1493552308"/>
+      </p:ext>
+    </p:extLst>
+  </p:cSld>
+  <p:clrMapOvr>
+    <a:masterClrMapping/>
+  </p:clrMapOvr>
 </p:sld>
 </file>
 

--- a/Slides/Apresentação_slide.pptx
+++ b/Slides/Apresentação_slide.pptx
@@ -9,11 +9,13 @@
     <p:sldId id="266" r:id="rId3"/>
     <p:sldId id="262" r:id="rId4"/>
     <p:sldId id="265" r:id="rId5"/>
-    <p:sldId id="267" r:id="rId6"/>
-    <p:sldId id="260" r:id="rId7"/>
-    <p:sldId id="268" r:id="rId8"/>
-    <p:sldId id="261" r:id="rId9"/>
-    <p:sldId id="269" r:id="rId10"/>
+    <p:sldId id="271" r:id="rId6"/>
+    <p:sldId id="270" r:id="rId7"/>
+    <p:sldId id="267" r:id="rId8"/>
+    <p:sldId id="260" r:id="rId9"/>
+    <p:sldId id="268" r:id="rId10"/>
+    <p:sldId id="261" r:id="rId11"/>
+    <p:sldId id="269" r:id="rId12"/>
   </p:sldIdLst>
   <p:sldSz cx="12192000" cy="6858000"/>
   <p:notesSz cx="6858000" cy="9144000"/>
@@ -3045,7 +3047,7 @@
         </p:nvSpPr>
         <p:spPr>
           <a:xfrm>
-            <a:off x="154546" y="4237150"/>
+            <a:off x="115909" y="4005331"/>
             <a:ext cx="6748530" cy="1631216"/>
           </a:xfrm>
           <a:prstGeom prst="rect">
@@ -3112,6 +3114,263 @@
     <p:extLst>
       <p:ext uri="{BB962C8B-B14F-4D97-AF65-F5344CB8AC3E}">
         <p14:creationId xmlns:p14="http://schemas.microsoft.com/office/powerpoint/2010/main" val="2660554420"/>
+      </p:ext>
+    </p:extLst>
+  </p:cSld>
+  <p:clrMapOvr>
+    <a:masterClrMapping/>
+  </p:clrMapOvr>
+</p:sld>
+</file>
+
+<file path=ppt/slides/slide10.xml><?xml version="1.0" encoding="utf-8"?>
+<p:sld xmlns:a="http://schemas.openxmlformats.org/drawingml/2006/main" xmlns:r="http://schemas.openxmlformats.org/officeDocument/2006/relationships" xmlns:p="http://schemas.openxmlformats.org/presentationml/2006/main">
+  <p:cSld>
+    <p:spTree>
+      <p:nvGrpSpPr>
+        <p:cNvPr id="1" name=""/>
+        <p:cNvGrpSpPr/>
+        <p:nvPr/>
+      </p:nvGrpSpPr>
+      <p:grpSpPr>
+        <a:xfrm>
+          <a:off x="0" y="0"/>
+          <a:ext cx="0" cy="0"/>
+          <a:chOff x="0" y="0"/>
+          <a:chExt cx="0" cy="0"/>
+        </a:xfrm>
+      </p:grpSpPr>
+      <p:sp>
+        <p:nvSpPr>
+          <p:cNvPr id="2" name="Título 1"/>
+          <p:cNvSpPr>
+            <a:spLocks noGrp="1"/>
+          </p:cNvSpPr>
+          <p:nvPr>
+            <p:ph type="title"/>
+          </p:nvPr>
+        </p:nvSpPr>
+        <p:spPr>
+          <a:xfrm>
+            <a:off x="0" y="1"/>
+            <a:ext cx="12192000" cy="1030310"/>
+          </a:xfrm>
+          <a:solidFill>
+            <a:srgbClr val="007EA6"/>
+          </a:solidFill>
+        </p:spPr>
+        <p:txBody>
+          <a:bodyPr/>
+          <a:lstStyle/>
+          <a:p>
+            <a:r>
+              <a:rPr lang="pt-BR" dirty="0">
+                <a:solidFill>
+                  <a:schemeClr val="bg1"/>
+                </a:solidFill>
+                <a:latin typeface="Roboto Thin" panose="02000000000000000000" pitchFamily="2" charset="0"/>
+                <a:ea typeface="Roboto Thin" panose="02000000000000000000" pitchFamily="2" charset="0"/>
+              </a:rPr>
+              <a:t>Conclusão</a:t>
+            </a:r>
+          </a:p>
+        </p:txBody>
+      </p:sp>
+      <p:sp>
+        <p:nvSpPr>
+          <p:cNvPr id="3" name="Espaço Reservado para Conteúdo 2"/>
+          <p:cNvSpPr>
+            <a:spLocks noGrp="1"/>
+          </p:cNvSpPr>
+          <p:nvPr>
+            <p:ph idx="1"/>
+          </p:nvPr>
+        </p:nvSpPr>
+        <p:spPr/>
+        <p:txBody>
+          <a:bodyPr/>
+          <a:lstStyle/>
+          <a:p>
+            <a:pPr marL="0" indent="0">
+              <a:buNone/>
+            </a:pPr>
+            <a:endParaRPr lang="pt-BR">
+              <a:latin typeface="Roboto Thin" panose="02000000000000000000" pitchFamily="2" charset="0"/>
+              <a:ea typeface="Roboto Thin" panose="02000000000000000000" pitchFamily="2" charset="0"/>
+            </a:endParaRPr>
+          </a:p>
+        </p:txBody>
+      </p:sp>
+    </p:spTree>
+    <p:extLst>
+      <p:ext uri="{BB962C8B-B14F-4D97-AF65-F5344CB8AC3E}">
+        <p14:creationId xmlns:p14="http://schemas.microsoft.com/office/powerpoint/2010/main" val="633639850"/>
+      </p:ext>
+    </p:extLst>
+  </p:cSld>
+  <p:clrMapOvr>
+    <a:masterClrMapping/>
+  </p:clrMapOvr>
+</p:sld>
+</file>
+
+<file path=ppt/slides/slide11.xml><?xml version="1.0" encoding="utf-8"?>
+<p:sld xmlns:a="http://schemas.openxmlformats.org/drawingml/2006/main" xmlns:r="http://schemas.openxmlformats.org/officeDocument/2006/relationships" xmlns:p="http://schemas.openxmlformats.org/presentationml/2006/main">
+  <p:cSld>
+    <p:spTree>
+      <p:nvGrpSpPr>
+        <p:cNvPr id="1" name=""/>
+        <p:cNvGrpSpPr/>
+        <p:nvPr/>
+      </p:nvGrpSpPr>
+      <p:grpSpPr>
+        <a:xfrm>
+          <a:off x="0" y="0"/>
+          <a:ext cx="0" cy="0"/>
+          <a:chOff x="0" y="0"/>
+          <a:chExt cx="0" cy="0"/>
+        </a:xfrm>
+      </p:grpSpPr>
+      <p:sp>
+        <p:nvSpPr>
+          <p:cNvPr id="2" name="Título 1"/>
+          <p:cNvSpPr>
+            <a:spLocks noGrp="1"/>
+          </p:cNvSpPr>
+          <p:nvPr>
+            <p:ph type="title"/>
+          </p:nvPr>
+        </p:nvSpPr>
+        <p:spPr>
+          <a:xfrm>
+            <a:off x="0" y="1"/>
+            <a:ext cx="12192000" cy="1030310"/>
+          </a:xfrm>
+          <a:solidFill>
+            <a:srgbClr val="007EA6"/>
+          </a:solidFill>
+        </p:spPr>
+        <p:txBody>
+          <a:bodyPr/>
+          <a:lstStyle/>
+          <a:p>
+            <a:r>
+              <a:rPr lang="pt-BR" dirty="0">
+                <a:solidFill>
+                  <a:schemeClr val="bg1"/>
+                </a:solidFill>
+                <a:latin typeface="Roboto Thin" panose="02000000000000000000" pitchFamily="2" charset="0"/>
+                <a:ea typeface="Roboto Thin" panose="02000000000000000000" pitchFamily="2" charset="0"/>
+              </a:rPr>
+              <a:t>Referências</a:t>
+            </a:r>
+          </a:p>
+        </p:txBody>
+      </p:sp>
+      <p:sp>
+        <p:nvSpPr>
+          <p:cNvPr id="3" name="Espaço Reservado para Conteúdo 2"/>
+          <p:cNvSpPr>
+            <a:spLocks noGrp="1"/>
+          </p:cNvSpPr>
+          <p:nvPr>
+            <p:ph idx="1"/>
+          </p:nvPr>
+        </p:nvSpPr>
+        <p:spPr/>
+        <p:txBody>
+          <a:bodyPr/>
+          <a:lstStyle/>
+          <a:p>
+            <a:pPr>
+              <a:buClr>
+                <a:srgbClr val="001173"/>
+              </a:buClr>
+            </a:pPr>
+            <a:r>
+              <a:rPr lang="pt-BR" dirty="0">
+                <a:latin typeface="Roboto Thin" panose="02000000000000000000" pitchFamily="2" charset="0"/>
+                <a:ea typeface="Roboto Thin" panose="02000000000000000000" pitchFamily="2" charset="0"/>
+              </a:rPr>
+              <a:t>https://electronjs.org/docs/api</a:t>
+            </a:r>
+          </a:p>
+          <a:p>
+            <a:pPr>
+              <a:buClr>
+                <a:srgbClr val="001173"/>
+              </a:buClr>
+            </a:pPr>
+            <a:r>
+              <a:rPr lang="pt-BR" dirty="0">
+                <a:latin typeface="Roboto Thin" panose="02000000000000000000" pitchFamily="2" charset="0"/>
+                <a:ea typeface="Roboto Thin" panose="02000000000000000000" pitchFamily="2" charset="0"/>
+              </a:rPr>
+              <a:t>https://getbootstrap.com/docs/4.0/getting-started/introduction</a:t>
+            </a:r>
+          </a:p>
+          <a:p>
+            <a:pPr>
+              <a:buClr>
+                <a:srgbClr val="001173"/>
+              </a:buClr>
+            </a:pPr>
+            <a:r>
+              <a:rPr lang="pt-BR" dirty="0">
+                <a:latin typeface="Roboto Thin" panose="02000000000000000000" pitchFamily="2" charset="0"/>
+                <a:ea typeface="Roboto Thin" panose="02000000000000000000" pitchFamily="2" charset="0"/>
+              </a:rPr>
+              <a:t>https://www.npmjs.com/package/mysql</a:t>
+            </a:r>
+          </a:p>
+          <a:p>
+            <a:pPr>
+              <a:buClr>
+                <a:srgbClr val="001173"/>
+              </a:buClr>
+            </a:pPr>
+            <a:r>
+              <a:rPr lang="pt-BR" dirty="0">
+                <a:latin typeface="Roboto Thin" panose="02000000000000000000" pitchFamily="2" charset="0"/>
+                <a:ea typeface="Roboto Thin" panose="02000000000000000000" pitchFamily="2" charset="0"/>
+              </a:rPr>
+              <a:t>https://developer.mozilla.org/pt-BR/docs/Web/JavaScript</a:t>
+            </a:r>
+          </a:p>
+          <a:p>
+            <a:pPr>
+              <a:buClr>
+                <a:srgbClr val="001173"/>
+              </a:buClr>
+            </a:pPr>
+            <a:r>
+              <a:rPr lang="pt-BR" dirty="0">
+                <a:latin typeface="Roboto Thin" panose="02000000000000000000" pitchFamily="2" charset="0"/>
+                <a:ea typeface="Roboto Thin" panose="02000000000000000000" pitchFamily="2" charset="0"/>
+              </a:rPr>
+              <a:t>https://developer.mozilla.org/pt-BR/docs/Web/HTML</a:t>
+            </a:r>
+          </a:p>
+          <a:p>
+            <a:pPr>
+              <a:buClr>
+                <a:srgbClr val="001173"/>
+              </a:buClr>
+            </a:pPr>
+            <a:r>
+              <a:rPr lang="pt-BR" dirty="0">
+                <a:latin typeface="Roboto Thin" panose="02000000000000000000" pitchFamily="2" charset="0"/>
+                <a:ea typeface="Roboto Thin" panose="02000000000000000000" pitchFamily="2" charset="0"/>
+              </a:rPr>
+              <a:t>https://dev.mysql.com/doc</a:t>
+            </a:r>
+          </a:p>
+        </p:txBody>
+      </p:sp>
+    </p:spTree>
+    <p:extLst>
+      <p:ext uri="{BB962C8B-B14F-4D97-AF65-F5344CB8AC3E}">
+        <p14:creationId xmlns:p14="http://schemas.microsoft.com/office/powerpoint/2010/main" val="1493552308"/>
       </p:ext>
     </p:extLst>
   </p:cSld>
@@ -3353,7 +3612,7 @@
         </p:nvSpPr>
         <p:spPr>
           <a:xfrm>
-            <a:off x="4417455" y="1878126"/>
+            <a:off x="4365939" y="1878126"/>
             <a:ext cx="6941711" cy="3416320"/>
           </a:xfrm>
           <a:prstGeom prst="rect">
@@ -3553,45 +3812,6 @@
       </p:sp>
       <p:sp>
         <p:nvSpPr>
-          <p:cNvPr id="5" name="CaixaDeTexto 4"/>
-          <p:cNvSpPr txBox="1"/>
-          <p:nvPr/>
-        </p:nvSpPr>
-        <p:spPr>
-          <a:xfrm>
-            <a:off x="1054781" y="4332621"/>
-            <a:ext cx="2699410" cy="461665"/>
-          </a:xfrm>
-          <a:prstGeom prst="rect">
-            <a:avLst/>
-          </a:prstGeom>
-          <a:noFill/>
-        </p:spPr>
-        <p:txBody>
-          <a:bodyPr wrap="square" rtlCol="0">
-            <a:spAutoFit/>
-          </a:bodyPr>
-          <a:lstStyle/>
-          <a:p>
-            <a:r>
-              <a:rPr lang="pt-BR" sz="2400" dirty="0">
-                <a:latin typeface="Roboto Thin" panose="02000000000000000000" pitchFamily="2" charset="0"/>
-                <a:ea typeface="Roboto Thin" panose="02000000000000000000" pitchFamily="2" charset="0"/>
-              </a:rPr>
-              <a:t>Sistema Bancário</a:t>
-            </a:r>
-            <a:r>
-              <a:rPr lang="pt-BR" dirty="0">
-                <a:latin typeface="Roboto Thin" panose="02000000000000000000" pitchFamily="2" charset="0"/>
-                <a:ea typeface="Roboto Thin" panose="02000000000000000000" pitchFamily="2" charset="0"/>
-              </a:rPr>
-              <a:t>.</a:t>
-            </a:r>
-          </a:p>
-        </p:txBody>
-      </p:sp>
-      <p:sp>
-        <p:nvSpPr>
           <p:cNvPr id="6" name="CaixaDeTexto 5"/>
           <p:cNvSpPr txBox="1"/>
           <p:nvPr/>
@@ -3647,7 +3867,7 @@
       </p:sp>
       <p:sp>
         <p:nvSpPr>
-          <p:cNvPr id="3" name="Espaço Reservado para Conteúdo 2"/>
+          <p:cNvPr id="9" name="Espaço Reservado para Conteúdo 8"/>
           <p:cNvSpPr>
             <a:spLocks noGrp="1"/>
           </p:cNvSpPr>
@@ -3660,29 +3880,7 @@
           <a:bodyPr/>
           <a:lstStyle/>
           <a:p>
-            <a:r>
-              <a:rPr lang="pt-BR" dirty="0"/>
-              <a:t>Aqui será inserido </a:t>
-            </a:r>
-            <a:r>
-              <a:rPr lang="pt-BR" dirty="0" err="1"/>
-              <a:t>prints</a:t>
-            </a:r>
-            <a:r>
-              <a:rPr lang="pt-BR" dirty="0"/>
-              <a:t> das telas</a:t>
-            </a:r>
-          </a:p>
-          <a:p>
-            <a:r>
-              <a:rPr lang="pt-BR" dirty="0"/>
-              <a:t>Aqui e nos </a:t>
-            </a:r>
-            <a:r>
-              <a:rPr lang="pt-BR"/>
-              <a:t>próximo slides.</a:t>
-            </a:r>
-            <a:endParaRPr lang="pt-BR" dirty="0"/>
+            <a:endParaRPr lang="pt-BR"/>
           </a:p>
         </p:txBody>
       </p:sp>
@@ -3700,6 +3898,408 @@
 </file>
 
 <file path=ppt/slides/slide5.xml><?xml version="1.0" encoding="utf-8"?>
+<p:sld xmlns:a="http://schemas.openxmlformats.org/drawingml/2006/main" xmlns:r="http://schemas.openxmlformats.org/officeDocument/2006/relationships" xmlns:p="http://schemas.openxmlformats.org/presentationml/2006/main">
+  <p:cSld>
+    <p:spTree>
+      <p:nvGrpSpPr>
+        <p:cNvPr id="1" name=""/>
+        <p:cNvGrpSpPr/>
+        <p:nvPr/>
+      </p:nvGrpSpPr>
+      <p:grpSpPr>
+        <a:xfrm>
+          <a:off x="0" y="0"/>
+          <a:ext cx="0" cy="0"/>
+          <a:chOff x="0" y="0"/>
+          <a:chExt cx="0" cy="0"/>
+        </a:xfrm>
+      </p:grpSpPr>
+      <p:sp>
+        <p:nvSpPr>
+          <p:cNvPr id="2" name="Título 1"/>
+          <p:cNvSpPr>
+            <a:spLocks noGrp="1"/>
+          </p:cNvSpPr>
+          <p:nvPr>
+            <p:ph type="title"/>
+          </p:nvPr>
+        </p:nvSpPr>
+        <p:spPr>
+          <a:xfrm>
+            <a:off x="0" y="1"/>
+            <a:ext cx="12192000" cy="1030310"/>
+          </a:xfrm>
+          <a:solidFill>
+            <a:srgbClr val="007EA6"/>
+          </a:solidFill>
+        </p:spPr>
+        <p:txBody>
+          <a:bodyPr/>
+          <a:lstStyle/>
+          <a:p>
+            <a:r>
+              <a:rPr lang="pt-BR" dirty="0">
+                <a:solidFill>
+                  <a:schemeClr val="bg1"/>
+                </a:solidFill>
+                <a:latin typeface="Roboto Thin" panose="02000000000000000000" pitchFamily="2" charset="0"/>
+                <a:ea typeface="Roboto Thin" panose="02000000000000000000" pitchFamily="2" charset="0"/>
+              </a:rPr>
+              <a:t>NullBank</a:t>
+            </a:r>
+          </a:p>
+        </p:txBody>
+      </p:sp>
+      <p:sp>
+        <p:nvSpPr>
+          <p:cNvPr id="5" name="CaixaDeTexto 4"/>
+          <p:cNvSpPr txBox="1"/>
+          <p:nvPr/>
+        </p:nvSpPr>
+        <p:spPr>
+          <a:xfrm>
+            <a:off x="1054781" y="4332621"/>
+            <a:ext cx="2699410" cy="461665"/>
+          </a:xfrm>
+          <a:prstGeom prst="rect">
+            <a:avLst/>
+          </a:prstGeom>
+          <a:noFill/>
+        </p:spPr>
+        <p:txBody>
+          <a:bodyPr wrap="square" rtlCol="0">
+            <a:spAutoFit/>
+          </a:bodyPr>
+          <a:lstStyle/>
+          <a:p>
+            <a:r>
+              <a:rPr lang="pt-BR" sz="2400" dirty="0">
+                <a:latin typeface="Roboto Thin" panose="02000000000000000000" pitchFamily="2" charset="0"/>
+                <a:ea typeface="Roboto Thin" panose="02000000000000000000" pitchFamily="2" charset="0"/>
+              </a:rPr>
+              <a:t>Sistema Bancário</a:t>
+            </a:r>
+            <a:r>
+              <a:rPr lang="pt-BR" dirty="0">
+                <a:latin typeface="Roboto Thin" panose="02000000000000000000" pitchFamily="2" charset="0"/>
+                <a:ea typeface="Roboto Thin" panose="02000000000000000000" pitchFamily="2" charset="0"/>
+              </a:rPr>
+              <a:t>.</a:t>
+            </a:r>
+          </a:p>
+        </p:txBody>
+      </p:sp>
+      <p:sp>
+        <p:nvSpPr>
+          <p:cNvPr id="6" name="CaixaDeTexto 5"/>
+          <p:cNvSpPr txBox="1"/>
+          <p:nvPr/>
+        </p:nvSpPr>
+        <p:spPr>
+          <a:xfrm>
+            <a:off x="4417455" y="1878126"/>
+            <a:ext cx="6941711" cy="830997"/>
+          </a:xfrm>
+          <a:prstGeom prst="rect">
+            <a:avLst/>
+          </a:prstGeom>
+          <a:noFill/>
+        </p:spPr>
+        <p:txBody>
+          <a:bodyPr wrap="square" rtlCol="0">
+            <a:spAutoFit/>
+          </a:bodyPr>
+          <a:lstStyle/>
+          <a:p>
+            <a:pPr marL="342900" indent="-342900">
+              <a:buClr>
+                <a:srgbClr val="007EA6"/>
+              </a:buClr>
+              <a:buFont typeface="Arial" panose="020B0604020202020204" pitchFamily="34" charset="0"/>
+              <a:buChar char="•"/>
+            </a:pPr>
+            <a:endParaRPr lang="pt-BR" sz="2400" dirty="0">
+              <a:solidFill>
+                <a:srgbClr val="001173"/>
+              </a:solidFill>
+              <a:latin typeface="Roboto Thin" panose="02000000000000000000" pitchFamily="2" charset="0"/>
+              <a:ea typeface="Roboto Thin" panose="02000000000000000000" pitchFamily="2" charset="0"/>
+            </a:endParaRPr>
+          </a:p>
+          <a:p>
+            <a:pPr marL="342900" indent="-342900">
+              <a:buClr>
+                <a:srgbClr val="007EA6"/>
+              </a:buClr>
+              <a:buFont typeface="Arial" panose="020B0604020202020204" pitchFamily="34" charset="0"/>
+              <a:buChar char="•"/>
+            </a:pPr>
+            <a:endParaRPr lang="pt-BR" sz="2400" dirty="0">
+              <a:solidFill>
+                <a:srgbClr val="001173"/>
+              </a:solidFill>
+              <a:latin typeface="Roboto Thin" panose="02000000000000000000" pitchFamily="2" charset="0"/>
+              <a:ea typeface="Roboto Thin" panose="02000000000000000000" pitchFamily="2" charset="0"/>
+            </a:endParaRPr>
+          </a:p>
+        </p:txBody>
+      </p:sp>
+      <p:sp>
+        <p:nvSpPr>
+          <p:cNvPr id="3" name="Espaço Reservado para Conteúdo 2"/>
+          <p:cNvSpPr>
+            <a:spLocks noGrp="1"/>
+          </p:cNvSpPr>
+          <p:nvPr>
+            <p:ph idx="1"/>
+          </p:nvPr>
+        </p:nvSpPr>
+        <p:spPr/>
+        <p:txBody>
+          <a:bodyPr/>
+          <a:lstStyle/>
+          <a:p>
+            <a:r>
+              <a:rPr lang="pt-BR" dirty="0"/>
+              <a:t>Aqui será inserido </a:t>
+            </a:r>
+            <a:r>
+              <a:rPr lang="pt-BR" dirty="0" err="1"/>
+              <a:t>prints</a:t>
+            </a:r>
+            <a:r>
+              <a:rPr lang="pt-BR" dirty="0"/>
+              <a:t> das telas</a:t>
+            </a:r>
+          </a:p>
+          <a:p>
+            <a:r>
+              <a:rPr lang="pt-BR" dirty="0"/>
+              <a:t>Aqui e nos </a:t>
+            </a:r>
+            <a:r>
+              <a:rPr lang="pt-BR"/>
+              <a:t>próximo slides.</a:t>
+            </a:r>
+            <a:endParaRPr lang="pt-BR" dirty="0"/>
+          </a:p>
+        </p:txBody>
+      </p:sp>
+    </p:spTree>
+    <p:extLst>
+      <p:ext uri="{BB962C8B-B14F-4D97-AF65-F5344CB8AC3E}">
+        <p14:creationId xmlns:p14="http://schemas.microsoft.com/office/powerpoint/2010/main" val="631037317"/>
+      </p:ext>
+    </p:extLst>
+  </p:cSld>
+  <p:clrMapOvr>
+    <a:masterClrMapping/>
+  </p:clrMapOvr>
+</p:sld>
+</file>
+
+<file path=ppt/slides/slide6.xml><?xml version="1.0" encoding="utf-8"?>
+<p:sld xmlns:a="http://schemas.openxmlformats.org/drawingml/2006/main" xmlns:r="http://schemas.openxmlformats.org/officeDocument/2006/relationships" xmlns:p="http://schemas.openxmlformats.org/presentationml/2006/main">
+  <p:cSld>
+    <p:spTree>
+      <p:nvGrpSpPr>
+        <p:cNvPr id="1" name=""/>
+        <p:cNvGrpSpPr/>
+        <p:nvPr/>
+      </p:nvGrpSpPr>
+      <p:grpSpPr>
+        <a:xfrm>
+          <a:off x="0" y="0"/>
+          <a:ext cx="0" cy="0"/>
+          <a:chOff x="0" y="0"/>
+          <a:chExt cx="0" cy="0"/>
+        </a:xfrm>
+      </p:grpSpPr>
+      <p:sp>
+        <p:nvSpPr>
+          <p:cNvPr id="2" name="Título 1"/>
+          <p:cNvSpPr>
+            <a:spLocks noGrp="1"/>
+          </p:cNvSpPr>
+          <p:nvPr>
+            <p:ph type="title"/>
+          </p:nvPr>
+        </p:nvSpPr>
+        <p:spPr>
+          <a:xfrm>
+            <a:off x="0" y="1"/>
+            <a:ext cx="12192000" cy="1030310"/>
+          </a:xfrm>
+          <a:solidFill>
+            <a:srgbClr val="007EA6"/>
+          </a:solidFill>
+        </p:spPr>
+        <p:txBody>
+          <a:bodyPr/>
+          <a:lstStyle/>
+          <a:p>
+            <a:r>
+              <a:rPr lang="pt-BR" dirty="0">
+                <a:solidFill>
+                  <a:schemeClr val="bg1"/>
+                </a:solidFill>
+                <a:latin typeface="Roboto Thin" panose="02000000000000000000" pitchFamily="2" charset="0"/>
+                <a:ea typeface="Roboto Thin" panose="02000000000000000000" pitchFamily="2" charset="0"/>
+              </a:rPr>
+              <a:t>NullBank</a:t>
+            </a:r>
+          </a:p>
+        </p:txBody>
+      </p:sp>
+      <p:sp>
+        <p:nvSpPr>
+          <p:cNvPr id="5" name="CaixaDeTexto 4"/>
+          <p:cNvSpPr txBox="1"/>
+          <p:nvPr/>
+        </p:nvSpPr>
+        <p:spPr>
+          <a:xfrm>
+            <a:off x="1054781" y="4332621"/>
+            <a:ext cx="2699410" cy="461665"/>
+          </a:xfrm>
+          <a:prstGeom prst="rect">
+            <a:avLst/>
+          </a:prstGeom>
+          <a:noFill/>
+        </p:spPr>
+        <p:txBody>
+          <a:bodyPr wrap="square" rtlCol="0">
+            <a:spAutoFit/>
+          </a:bodyPr>
+          <a:lstStyle/>
+          <a:p>
+            <a:r>
+              <a:rPr lang="pt-BR" sz="2400" dirty="0">
+                <a:latin typeface="Roboto Thin" panose="02000000000000000000" pitchFamily="2" charset="0"/>
+                <a:ea typeface="Roboto Thin" panose="02000000000000000000" pitchFamily="2" charset="0"/>
+              </a:rPr>
+              <a:t>Sistema Bancário</a:t>
+            </a:r>
+            <a:r>
+              <a:rPr lang="pt-BR" dirty="0">
+                <a:latin typeface="Roboto Thin" panose="02000000000000000000" pitchFamily="2" charset="0"/>
+                <a:ea typeface="Roboto Thin" panose="02000000000000000000" pitchFamily="2" charset="0"/>
+              </a:rPr>
+              <a:t>.</a:t>
+            </a:r>
+          </a:p>
+        </p:txBody>
+      </p:sp>
+      <p:sp>
+        <p:nvSpPr>
+          <p:cNvPr id="6" name="CaixaDeTexto 5"/>
+          <p:cNvSpPr txBox="1"/>
+          <p:nvPr/>
+        </p:nvSpPr>
+        <p:spPr>
+          <a:xfrm>
+            <a:off x="4417455" y="1878126"/>
+            <a:ext cx="6941711" cy="830997"/>
+          </a:xfrm>
+          <a:prstGeom prst="rect">
+            <a:avLst/>
+          </a:prstGeom>
+          <a:noFill/>
+        </p:spPr>
+        <p:txBody>
+          <a:bodyPr wrap="square" rtlCol="0">
+            <a:spAutoFit/>
+          </a:bodyPr>
+          <a:lstStyle/>
+          <a:p>
+            <a:pPr marL="342900" indent="-342900">
+              <a:buClr>
+                <a:srgbClr val="007EA6"/>
+              </a:buClr>
+              <a:buFont typeface="Arial" panose="020B0604020202020204" pitchFamily="34" charset="0"/>
+              <a:buChar char="•"/>
+            </a:pPr>
+            <a:endParaRPr lang="pt-BR" sz="2400" dirty="0">
+              <a:solidFill>
+                <a:srgbClr val="001173"/>
+              </a:solidFill>
+              <a:latin typeface="Roboto Thin" panose="02000000000000000000" pitchFamily="2" charset="0"/>
+              <a:ea typeface="Roboto Thin" panose="02000000000000000000" pitchFamily="2" charset="0"/>
+            </a:endParaRPr>
+          </a:p>
+          <a:p>
+            <a:pPr marL="342900" indent="-342900">
+              <a:buClr>
+                <a:srgbClr val="007EA6"/>
+              </a:buClr>
+              <a:buFont typeface="Arial" panose="020B0604020202020204" pitchFamily="34" charset="0"/>
+              <a:buChar char="•"/>
+            </a:pPr>
+            <a:endParaRPr lang="pt-BR" sz="2400" dirty="0">
+              <a:solidFill>
+                <a:srgbClr val="001173"/>
+              </a:solidFill>
+              <a:latin typeface="Roboto Thin" panose="02000000000000000000" pitchFamily="2" charset="0"/>
+              <a:ea typeface="Roboto Thin" panose="02000000000000000000" pitchFamily="2" charset="0"/>
+            </a:endParaRPr>
+          </a:p>
+        </p:txBody>
+      </p:sp>
+      <p:sp>
+        <p:nvSpPr>
+          <p:cNvPr id="3" name="Espaço Reservado para Conteúdo 2"/>
+          <p:cNvSpPr>
+            <a:spLocks noGrp="1"/>
+          </p:cNvSpPr>
+          <p:nvPr>
+            <p:ph idx="1"/>
+          </p:nvPr>
+        </p:nvSpPr>
+        <p:spPr/>
+        <p:txBody>
+          <a:bodyPr/>
+          <a:lstStyle/>
+          <a:p>
+            <a:r>
+              <a:rPr lang="pt-BR" dirty="0"/>
+              <a:t>Aqui será inserido </a:t>
+            </a:r>
+            <a:r>
+              <a:rPr lang="pt-BR" dirty="0" err="1"/>
+              <a:t>prints</a:t>
+            </a:r>
+            <a:r>
+              <a:rPr lang="pt-BR" dirty="0"/>
+              <a:t> das telas</a:t>
+            </a:r>
+          </a:p>
+          <a:p>
+            <a:r>
+              <a:rPr lang="pt-BR" dirty="0"/>
+              <a:t>Aqui e nos </a:t>
+            </a:r>
+            <a:r>
+              <a:rPr lang="pt-BR"/>
+              <a:t>próximo slides.</a:t>
+            </a:r>
+            <a:endParaRPr lang="pt-BR" dirty="0"/>
+          </a:p>
+        </p:txBody>
+      </p:sp>
+    </p:spTree>
+    <p:extLst>
+      <p:ext uri="{BB962C8B-B14F-4D97-AF65-F5344CB8AC3E}">
+        <p14:creationId xmlns:p14="http://schemas.microsoft.com/office/powerpoint/2010/main" val="3110256104"/>
+      </p:ext>
+    </p:extLst>
+  </p:cSld>
+  <p:clrMapOvr>
+    <a:masterClrMapping/>
+  </p:clrMapOvr>
+</p:sld>
+</file>
+
+<file path=ppt/slides/slide7.xml><?xml version="1.0" encoding="utf-8"?>
 <p:sld xmlns:a="http://schemas.openxmlformats.org/drawingml/2006/main" xmlns:r="http://schemas.openxmlformats.org/officeDocument/2006/relationships" xmlns:p="http://schemas.openxmlformats.org/presentationml/2006/main">
   <p:cSld>
     <p:spTree>
@@ -3802,7 +4402,7 @@
 </p:sld>
 </file>
 
-<file path=ppt/slides/slide6.xml><?xml version="1.0" encoding="utf-8"?>
+<file path=ppt/slides/slide8.xml><?xml version="1.0" encoding="utf-8"?>
 <p:sld xmlns:a="http://schemas.openxmlformats.org/drawingml/2006/main" xmlns:r="http://schemas.openxmlformats.org/officeDocument/2006/relationships" xmlns:p="http://schemas.openxmlformats.org/presentationml/2006/main">
   <p:cSld>
     <p:spTree>
@@ -4050,7 +4650,7 @@
 </p:sld>
 </file>
 
-<file path=ppt/slides/slide7.xml><?xml version="1.0" encoding="utf-8"?>
+<file path=ppt/slides/slide9.xml><?xml version="1.0" encoding="utf-8"?>
 <p:sld xmlns:a="http://schemas.openxmlformats.org/drawingml/2006/main" xmlns:r="http://schemas.openxmlformats.org/officeDocument/2006/relationships" xmlns:p="http://schemas.openxmlformats.org/presentationml/2006/main">
   <p:cSld>
     <p:spTree>
@@ -4144,263 +4744,6 @@
     <p:extLst>
       <p:ext uri="{BB962C8B-B14F-4D97-AF65-F5344CB8AC3E}">
         <p14:creationId xmlns:p14="http://schemas.microsoft.com/office/powerpoint/2010/main" val="3548836521"/>
-      </p:ext>
-    </p:extLst>
-  </p:cSld>
-  <p:clrMapOvr>
-    <a:masterClrMapping/>
-  </p:clrMapOvr>
-</p:sld>
-</file>
-
-<file path=ppt/slides/slide8.xml><?xml version="1.0" encoding="utf-8"?>
-<p:sld xmlns:a="http://schemas.openxmlformats.org/drawingml/2006/main" xmlns:r="http://schemas.openxmlformats.org/officeDocument/2006/relationships" xmlns:p="http://schemas.openxmlformats.org/presentationml/2006/main">
-  <p:cSld>
-    <p:spTree>
-      <p:nvGrpSpPr>
-        <p:cNvPr id="1" name=""/>
-        <p:cNvGrpSpPr/>
-        <p:nvPr/>
-      </p:nvGrpSpPr>
-      <p:grpSpPr>
-        <a:xfrm>
-          <a:off x="0" y="0"/>
-          <a:ext cx="0" cy="0"/>
-          <a:chOff x="0" y="0"/>
-          <a:chExt cx="0" cy="0"/>
-        </a:xfrm>
-      </p:grpSpPr>
-      <p:sp>
-        <p:nvSpPr>
-          <p:cNvPr id="2" name="Título 1"/>
-          <p:cNvSpPr>
-            <a:spLocks noGrp="1"/>
-          </p:cNvSpPr>
-          <p:nvPr>
-            <p:ph type="title"/>
-          </p:nvPr>
-        </p:nvSpPr>
-        <p:spPr>
-          <a:xfrm>
-            <a:off x="0" y="1"/>
-            <a:ext cx="12192000" cy="1030310"/>
-          </a:xfrm>
-          <a:solidFill>
-            <a:srgbClr val="007EA6"/>
-          </a:solidFill>
-        </p:spPr>
-        <p:txBody>
-          <a:bodyPr/>
-          <a:lstStyle/>
-          <a:p>
-            <a:r>
-              <a:rPr lang="pt-BR" dirty="0">
-                <a:solidFill>
-                  <a:schemeClr val="bg1"/>
-                </a:solidFill>
-                <a:latin typeface="Roboto Thin" panose="02000000000000000000" pitchFamily="2" charset="0"/>
-                <a:ea typeface="Roboto Thin" panose="02000000000000000000" pitchFamily="2" charset="0"/>
-              </a:rPr>
-              <a:t>Conclusão</a:t>
-            </a:r>
-          </a:p>
-        </p:txBody>
-      </p:sp>
-      <p:sp>
-        <p:nvSpPr>
-          <p:cNvPr id="3" name="Espaço Reservado para Conteúdo 2"/>
-          <p:cNvSpPr>
-            <a:spLocks noGrp="1"/>
-          </p:cNvSpPr>
-          <p:nvPr>
-            <p:ph idx="1"/>
-          </p:nvPr>
-        </p:nvSpPr>
-        <p:spPr/>
-        <p:txBody>
-          <a:bodyPr/>
-          <a:lstStyle/>
-          <a:p>
-            <a:pPr marL="0" indent="0">
-              <a:buNone/>
-            </a:pPr>
-            <a:endParaRPr lang="pt-BR">
-              <a:latin typeface="Roboto Thin" panose="02000000000000000000" pitchFamily="2" charset="0"/>
-              <a:ea typeface="Roboto Thin" panose="02000000000000000000" pitchFamily="2" charset="0"/>
-            </a:endParaRPr>
-          </a:p>
-        </p:txBody>
-      </p:sp>
-    </p:spTree>
-    <p:extLst>
-      <p:ext uri="{BB962C8B-B14F-4D97-AF65-F5344CB8AC3E}">
-        <p14:creationId xmlns:p14="http://schemas.microsoft.com/office/powerpoint/2010/main" val="633639850"/>
-      </p:ext>
-    </p:extLst>
-  </p:cSld>
-  <p:clrMapOvr>
-    <a:masterClrMapping/>
-  </p:clrMapOvr>
-</p:sld>
-</file>
-
-<file path=ppt/slides/slide9.xml><?xml version="1.0" encoding="utf-8"?>
-<p:sld xmlns:a="http://schemas.openxmlformats.org/drawingml/2006/main" xmlns:r="http://schemas.openxmlformats.org/officeDocument/2006/relationships" xmlns:p="http://schemas.openxmlformats.org/presentationml/2006/main">
-  <p:cSld>
-    <p:spTree>
-      <p:nvGrpSpPr>
-        <p:cNvPr id="1" name=""/>
-        <p:cNvGrpSpPr/>
-        <p:nvPr/>
-      </p:nvGrpSpPr>
-      <p:grpSpPr>
-        <a:xfrm>
-          <a:off x="0" y="0"/>
-          <a:ext cx="0" cy="0"/>
-          <a:chOff x="0" y="0"/>
-          <a:chExt cx="0" cy="0"/>
-        </a:xfrm>
-      </p:grpSpPr>
-      <p:sp>
-        <p:nvSpPr>
-          <p:cNvPr id="2" name="Título 1"/>
-          <p:cNvSpPr>
-            <a:spLocks noGrp="1"/>
-          </p:cNvSpPr>
-          <p:nvPr>
-            <p:ph type="title"/>
-          </p:nvPr>
-        </p:nvSpPr>
-        <p:spPr>
-          <a:xfrm>
-            <a:off x="0" y="1"/>
-            <a:ext cx="12192000" cy="1030310"/>
-          </a:xfrm>
-          <a:solidFill>
-            <a:srgbClr val="007EA6"/>
-          </a:solidFill>
-        </p:spPr>
-        <p:txBody>
-          <a:bodyPr/>
-          <a:lstStyle/>
-          <a:p>
-            <a:r>
-              <a:rPr lang="pt-BR" dirty="0">
-                <a:solidFill>
-                  <a:schemeClr val="bg1"/>
-                </a:solidFill>
-                <a:latin typeface="Roboto Thin" panose="02000000000000000000" pitchFamily="2" charset="0"/>
-                <a:ea typeface="Roboto Thin" panose="02000000000000000000" pitchFamily="2" charset="0"/>
-              </a:rPr>
-              <a:t>Referências</a:t>
-            </a:r>
-          </a:p>
-        </p:txBody>
-      </p:sp>
-      <p:sp>
-        <p:nvSpPr>
-          <p:cNvPr id="3" name="Espaço Reservado para Conteúdo 2"/>
-          <p:cNvSpPr>
-            <a:spLocks noGrp="1"/>
-          </p:cNvSpPr>
-          <p:nvPr>
-            <p:ph idx="1"/>
-          </p:nvPr>
-        </p:nvSpPr>
-        <p:spPr/>
-        <p:txBody>
-          <a:bodyPr/>
-          <a:lstStyle/>
-          <a:p>
-            <a:pPr>
-              <a:buClr>
-                <a:srgbClr val="001173"/>
-              </a:buClr>
-            </a:pPr>
-            <a:r>
-              <a:rPr lang="pt-BR" dirty="0">
-                <a:latin typeface="Roboto Thin" panose="02000000000000000000" pitchFamily="2" charset="0"/>
-                <a:ea typeface="Roboto Thin" panose="02000000000000000000" pitchFamily="2" charset="0"/>
-              </a:rPr>
-              <a:t>https://electronjs.org/docs/api</a:t>
-            </a:r>
-          </a:p>
-          <a:p>
-            <a:pPr>
-              <a:buClr>
-                <a:srgbClr val="001173"/>
-              </a:buClr>
-            </a:pPr>
-            <a:r>
-              <a:rPr lang="pt-BR" dirty="0">
-                <a:latin typeface="Roboto Thin" panose="02000000000000000000" pitchFamily="2" charset="0"/>
-                <a:ea typeface="Roboto Thin" panose="02000000000000000000" pitchFamily="2" charset="0"/>
-              </a:rPr>
-              <a:t>https://getbootstrap.com/docs/4.0/getting-started/introduction</a:t>
-            </a:r>
-          </a:p>
-          <a:p>
-            <a:pPr>
-              <a:buClr>
-                <a:srgbClr val="001173"/>
-              </a:buClr>
-            </a:pPr>
-            <a:r>
-              <a:rPr lang="pt-BR" dirty="0">
-                <a:latin typeface="Roboto Thin" panose="02000000000000000000" pitchFamily="2" charset="0"/>
-                <a:ea typeface="Roboto Thin" panose="02000000000000000000" pitchFamily="2" charset="0"/>
-              </a:rPr>
-              <a:t>https://www.npmjs.com/package/mysql</a:t>
-            </a:r>
-          </a:p>
-          <a:p>
-            <a:pPr>
-              <a:buClr>
-                <a:srgbClr val="001173"/>
-              </a:buClr>
-            </a:pPr>
-            <a:r>
-              <a:rPr lang="pt-BR" dirty="0">
-                <a:latin typeface="Roboto Thin" panose="02000000000000000000" pitchFamily="2" charset="0"/>
-                <a:ea typeface="Roboto Thin" panose="02000000000000000000" pitchFamily="2" charset="0"/>
-              </a:rPr>
-              <a:t>https://developer.mozilla.org/pt-BR/docs/Web/JavaScript</a:t>
-            </a:r>
-          </a:p>
-          <a:p>
-            <a:pPr>
-              <a:buClr>
-                <a:srgbClr val="001173"/>
-              </a:buClr>
-            </a:pPr>
-            <a:r>
-              <a:rPr lang="pt-BR" dirty="0">
-                <a:latin typeface="Roboto Thin" panose="02000000000000000000" pitchFamily="2" charset="0"/>
-                <a:ea typeface="Roboto Thin" panose="02000000000000000000" pitchFamily="2" charset="0"/>
-              </a:rPr>
-              <a:t>https://developer.mozilla.org/pt-BR/docs/Web/HTML</a:t>
-            </a:r>
-          </a:p>
-          <a:p>
-            <a:pPr>
-              <a:buClr>
-                <a:srgbClr val="001173"/>
-              </a:buClr>
-            </a:pPr>
-            <a:r>
-              <a:rPr lang="pt-BR" dirty="0">
-                <a:latin typeface="Roboto Thin" panose="02000000000000000000" pitchFamily="2" charset="0"/>
-                <a:ea typeface="Roboto Thin" panose="02000000000000000000" pitchFamily="2" charset="0"/>
-              </a:rPr>
-              <a:t>https://dev.mysql.com/doc</a:t>
-            </a:r>
-          </a:p>
-        </p:txBody>
-      </p:sp>
-    </p:spTree>
-    <p:extLst>
-      <p:ext uri="{BB962C8B-B14F-4D97-AF65-F5344CB8AC3E}">
-        <p14:creationId xmlns:p14="http://schemas.microsoft.com/office/powerpoint/2010/main" val="1493552308"/>
       </p:ext>
     </p:extLst>
   </p:cSld>

--- a/Slides/Apresentação_slide.pptx
+++ b/Slides/Apresentação_slide.pptx
@@ -8,14 +8,10 @@
     <p:sldId id="259" r:id="rId2"/>
     <p:sldId id="266" r:id="rId3"/>
     <p:sldId id="262" r:id="rId4"/>
-    <p:sldId id="265" r:id="rId5"/>
-    <p:sldId id="271" r:id="rId6"/>
-    <p:sldId id="270" r:id="rId7"/>
-    <p:sldId id="267" r:id="rId8"/>
-    <p:sldId id="260" r:id="rId9"/>
-    <p:sldId id="268" r:id="rId10"/>
-    <p:sldId id="261" r:id="rId11"/>
-    <p:sldId id="269" r:id="rId12"/>
+    <p:sldId id="267" r:id="rId5"/>
+    <p:sldId id="260" r:id="rId6"/>
+    <p:sldId id="268" r:id="rId7"/>
+    <p:sldId id="269" r:id="rId8"/>
   </p:sldIdLst>
   <p:sldSz cx="12192000" cy="6858000"/>
   <p:notesSz cx="6858000" cy="9144000"/>
@@ -267,7 +263,7 @@
           <a:p>
             <a:fld id="{6CE4B8DC-9158-4DEC-A8B9-5CF9251B7768}" type="datetimeFigureOut">
               <a:rPr lang="pt-BR" smtClean="0"/>
-              <a:t>30/11/2017</a:t>
+              <a:t>04/12/2017</a:t>
             </a:fld>
             <a:endParaRPr lang="pt-BR"/>
           </a:p>
@@ -435,7 +431,7 @@
           <a:p>
             <a:fld id="{6CE4B8DC-9158-4DEC-A8B9-5CF9251B7768}" type="datetimeFigureOut">
               <a:rPr lang="pt-BR" smtClean="0"/>
-              <a:t>30/11/2017</a:t>
+              <a:t>04/12/2017</a:t>
             </a:fld>
             <a:endParaRPr lang="pt-BR"/>
           </a:p>
@@ -613,7 +609,7 @@
           <a:p>
             <a:fld id="{6CE4B8DC-9158-4DEC-A8B9-5CF9251B7768}" type="datetimeFigureOut">
               <a:rPr lang="pt-BR" smtClean="0"/>
-              <a:t>30/11/2017</a:t>
+              <a:t>04/12/2017</a:t>
             </a:fld>
             <a:endParaRPr lang="pt-BR"/>
           </a:p>
@@ -781,7 +777,7 @@
           <a:p>
             <a:fld id="{6CE4B8DC-9158-4DEC-A8B9-5CF9251B7768}" type="datetimeFigureOut">
               <a:rPr lang="pt-BR" smtClean="0"/>
-              <a:t>30/11/2017</a:t>
+              <a:t>04/12/2017</a:t>
             </a:fld>
             <a:endParaRPr lang="pt-BR"/>
           </a:p>
@@ -1026,7 +1022,7 @@
           <a:p>
             <a:fld id="{6CE4B8DC-9158-4DEC-A8B9-5CF9251B7768}" type="datetimeFigureOut">
               <a:rPr lang="pt-BR" smtClean="0"/>
-              <a:t>30/11/2017</a:t>
+              <a:t>04/12/2017</a:t>
             </a:fld>
             <a:endParaRPr lang="pt-BR"/>
           </a:p>
@@ -1255,7 +1251,7 @@
           <a:p>
             <a:fld id="{6CE4B8DC-9158-4DEC-A8B9-5CF9251B7768}" type="datetimeFigureOut">
               <a:rPr lang="pt-BR" smtClean="0"/>
-              <a:t>30/11/2017</a:t>
+              <a:t>04/12/2017</a:t>
             </a:fld>
             <a:endParaRPr lang="pt-BR"/>
           </a:p>
@@ -1619,7 +1615,7 @@
           <a:p>
             <a:fld id="{6CE4B8DC-9158-4DEC-A8B9-5CF9251B7768}" type="datetimeFigureOut">
               <a:rPr lang="pt-BR" smtClean="0"/>
-              <a:t>30/11/2017</a:t>
+              <a:t>04/12/2017</a:t>
             </a:fld>
             <a:endParaRPr lang="pt-BR"/>
           </a:p>
@@ -1736,7 +1732,7 @@
           <a:p>
             <a:fld id="{6CE4B8DC-9158-4DEC-A8B9-5CF9251B7768}" type="datetimeFigureOut">
               <a:rPr lang="pt-BR" smtClean="0"/>
-              <a:t>30/11/2017</a:t>
+              <a:t>04/12/2017</a:t>
             </a:fld>
             <a:endParaRPr lang="pt-BR"/>
           </a:p>
@@ -1831,7 +1827,7 @@
           <a:p>
             <a:fld id="{6CE4B8DC-9158-4DEC-A8B9-5CF9251B7768}" type="datetimeFigureOut">
               <a:rPr lang="pt-BR" smtClean="0"/>
-              <a:t>30/11/2017</a:t>
+              <a:t>04/12/2017</a:t>
             </a:fld>
             <a:endParaRPr lang="pt-BR"/>
           </a:p>
@@ -2106,7 +2102,7 @@
           <a:p>
             <a:fld id="{6CE4B8DC-9158-4DEC-A8B9-5CF9251B7768}" type="datetimeFigureOut">
               <a:rPr lang="pt-BR" smtClean="0"/>
-              <a:t>30/11/2017</a:t>
+              <a:t>04/12/2017</a:t>
             </a:fld>
             <a:endParaRPr lang="pt-BR"/>
           </a:p>
@@ -2358,7 +2354,7 @@
           <a:p>
             <a:fld id="{6CE4B8DC-9158-4DEC-A8B9-5CF9251B7768}" type="datetimeFigureOut">
               <a:rPr lang="pt-BR" smtClean="0"/>
-              <a:t>30/11/2017</a:t>
+              <a:t>04/12/2017</a:t>
             </a:fld>
             <a:endParaRPr lang="pt-BR"/>
           </a:p>
@@ -2569,7 +2565,7 @@
           <a:p>
             <a:fld id="{6CE4B8DC-9158-4DEC-A8B9-5CF9251B7768}" type="datetimeFigureOut">
               <a:rPr lang="pt-BR" smtClean="0"/>
-              <a:t>30/11/2017</a:t>
+              <a:t>04/12/2017</a:t>
             </a:fld>
             <a:endParaRPr lang="pt-BR"/>
           </a:p>
@@ -3123,263 +3119,6 @@
 </p:sld>
 </file>
 
-<file path=ppt/slides/slide10.xml><?xml version="1.0" encoding="utf-8"?>
-<p:sld xmlns:a="http://schemas.openxmlformats.org/drawingml/2006/main" xmlns:r="http://schemas.openxmlformats.org/officeDocument/2006/relationships" xmlns:p="http://schemas.openxmlformats.org/presentationml/2006/main">
-  <p:cSld>
-    <p:spTree>
-      <p:nvGrpSpPr>
-        <p:cNvPr id="1" name=""/>
-        <p:cNvGrpSpPr/>
-        <p:nvPr/>
-      </p:nvGrpSpPr>
-      <p:grpSpPr>
-        <a:xfrm>
-          <a:off x="0" y="0"/>
-          <a:ext cx="0" cy="0"/>
-          <a:chOff x="0" y="0"/>
-          <a:chExt cx="0" cy="0"/>
-        </a:xfrm>
-      </p:grpSpPr>
-      <p:sp>
-        <p:nvSpPr>
-          <p:cNvPr id="2" name="Título 1"/>
-          <p:cNvSpPr>
-            <a:spLocks noGrp="1"/>
-          </p:cNvSpPr>
-          <p:nvPr>
-            <p:ph type="title"/>
-          </p:nvPr>
-        </p:nvSpPr>
-        <p:spPr>
-          <a:xfrm>
-            <a:off x="0" y="1"/>
-            <a:ext cx="12192000" cy="1030310"/>
-          </a:xfrm>
-          <a:solidFill>
-            <a:srgbClr val="007EA6"/>
-          </a:solidFill>
-        </p:spPr>
-        <p:txBody>
-          <a:bodyPr/>
-          <a:lstStyle/>
-          <a:p>
-            <a:r>
-              <a:rPr lang="pt-BR" dirty="0">
-                <a:solidFill>
-                  <a:schemeClr val="bg1"/>
-                </a:solidFill>
-                <a:latin typeface="Roboto Thin" panose="02000000000000000000" pitchFamily="2" charset="0"/>
-                <a:ea typeface="Roboto Thin" panose="02000000000000000000" pitchFamily="2" charset="0"/>
-              </a:rPr>
-              <a:t>Conclusão</a:t>
-            </a:r>
-          </a:p>
-        </p:txBody>
-      </p:sp>
-      <p:sp>
-        <p:nvSpPr>
-          <p:cNvPr id="3" name="Espaço Reservado para Conteúdo 2"/>
-          <p:cNvSpPr>
-            <a:spLocks noGrp="1"/>
-          </p:cNvSpPr>
-          <p:nvPr>
-            <p:ph idx="1"/>
-          </p:nvPr>
-        </p:nvSpPr>
-        <p:spPr/>
-        <p:txBody>
-          <a:bodyPr/>
-          <a:lstStyle/>
-          <a:p>
-            <a:pPr marL="0" indent="0">
-              <a:buNone/>
-            </a:pPr>
-            <a:endParaRPr lang="pt-BR">
-              <a:latin typeface="Roboto Thin" panose="02000000000000000000" pitchFamily="2" charset="0"/>
-              <a:ea typeface="Roboto Thin" panose="02000000000000000000" pitchFamily="2" charset="0"/>
-            </a:endParaRPr>
-          </a:p>
-        </p:txBody>
-      </p:sp>
-    </p:spTree>
-    <p:extLst>
-      <p:ext uri="{BB962C8B-B14F-4D97-AF65-F5344CB8AC3E}">
-        <p14:creationId xmlns:p14="http://schemas.microsoft.com/office/powerpoint/2010/main" val="633639850"/>
-      </p:ext>
-    </p:extLst>
-  </p:cSld>
-  <p:clrMapOvr>
-    <a:masterClrMapping/>
-  </p:clrMapOvr>
-</p:sld>
-</file>
-
-<file path=ppt/slides/slide11.xml><?xml version="1.0" encoding="utf-8"?>
-<p:sld xmlns:a="http://schemas.openxmlformats.org/drawingml/2006/main" xmlns:r="http://schemas.openxmlformats.org/officeDocument/2006/relationships" xmlns:p="http://schemas.openxmlformats.org/presentationml/2006/main">
-  <p:cSld>
-    <p:spTree>
-      <p:nvGrpSpPr>
-        <p:cNvPr id="1" name=""/>
-        <p:cNvGrpSpPr/>
-        <p:nvPr/>
-      </p:nvGrpSpPr>
-      <p:grpSpPr>
-        <a:xfrm>
-          <a:off x="0" y="0"/>
-          <a:ext cx="0" cy="0"/>
-          <a:chOff x="0" y="0"/>
-          <a:chExt cx="0" cy="0"/>
-        </a:xfrm>
-      </p:grpSpPr>
-      <p:sp>
-        <p:nvSpPr>
-          <p:cNvPr id="2" name="Título 1"/>
-          <p:cNvSpPr>
-            <a:spLocks noGrp="1"/>
-          </p:cNvSpPr>
-          <p:nvPr>
-            <p:ph type="title"/>
-          </p:nvPr>
-        </p:nvSpPr>
-        <p:spPr>
-          <a:xfrm>
-            <a:off x="0" y="1"/>
-            <a:ext cx="12192000" cy="1030310"/>
-          </a:xfrm>
-          <a:solidFill>
-            <a:srgbClr val="007EA6"/>
-          </a:solidFill>
-        </p:spPr>
-        <p:txBody>
-          <a:bodyPr/>
-          <a:lstStyle/>
-          <a:p>
-            <a:r>
-              <a:rPr lang="pt-BR" dirty="0">
-                <a:solidFill>
-                  <a:schemeClr val="bg1"/>
-                </a:solidFill>
-                <a:latin typeface="Roboto Thin" panose="02000000000000000000" pitchFamily="2" charset="0"/>
-                <a:ea typeface="Roboto Thin" panose="02000000000000000000" pitchFamily="2" charset="0"/>
-              </a:rPr>
-              <a:t>Referências</a:t>
-            </a:r>
-          </a:p>
-        </p:txBody>
-      </p:sp>
-      <p:sp>
-        <p:nvSpPr>
-          <p:cNvPr id="3" name="Espaço Reservado para Conteúdo 2"/>
-          <p:cNvSpPr>
-            <a:spLocks noGrp="1"/>
-          </p:cNvSpPr>
-          <p:nvPr>
-            <p:ph idx="1"/>
-          </p:nvPr>
-        </p:nvSpPr>
-        <p:spPr/>
-        <p:txBody>
-          <a:bodyPr/>
-          <a:lstStyle/>
-          <a:p>
-            <a:pPr>
-              <a:buClr>
-                <a:srgbClr val="001173"/>
-              </a:buClr>
-            </a:pPr>
-            <a:r>
-              <a:rPr lang="pt-BR" dirty="0">
-                <a:latin typeface="Roboto Thin" panose="02000000000000000000" pitchFamily="2" charset="0"/>
-                <a:ea typeface="Roboto Thin" panose="02000000000000000000" pitchFamily="2" charset="0"/>
-              </a:rPr>
-              <a:t>https://electronjs.org/docs/api</a:t>
-            </a:r>
-          </a:p>
-          <a:p>
-            <a:pPr>
-              <a:buClr>
-                <a:srgbClr val="001173"/>
-              </a:buClr>
-            </a:pPr>
-            <a:r>
-              <a:rPr lang="pt-BR" dirty="0">
-                <a:latin typeface="Roboto Thin" panose="02000000000000000000" pitchFamily="2" charset="0"/>
-                <a:ea typeface="Roboto Thin" panose="02000000000000000000" pitchFamily="2" charset="0"/>
-              </a:rPr>
-              <a:t>https://getbootstrap.com/docs/4.0/getting-started/introduction</a:t>
-            </a:r>
-          </a:p>
-          <a:p>
-            <a:pPr>
-              <a:buClr>
-                <a:srgbClr val="001173"/>
-              </a:buClr>
-            </a:pPr>
-            <a:r>
-              <a:rPr lang="pt-BR" dirty="0">
-                <a:latin typeface="Roboto Thin" panose="02000000000000000000" pitchFamily="2" charset="0"/>
-                <a:ea typeface="Roboto Thin" panose="02000000000000000000" pitchFamily="2" charset="0"/>
-              </a:rPr>
-              <a:t>https://www.npmjs.com/package/mysql</a:t>
-            </a:r>
-          </a:p>
-          <a:p>
-            <a:pPr>
-              <a:buClr>
-                <a:srgbClr val="001173"/>
-              </a:buClr>
-            </a:pPr>
-            <a:r>
-              <a:rPr lang="pt-BR" dirty="0">
-                <a:latin typeface="Roboto Thin" panose="02000000000000000000" pitchFamily="2" charset="0"/>
-                <a:ea typeface="Roboto Thin" panose="02000000000000000000" pitchFamily="2" charset="0"/>
-              </a:rPr>
-              <a:t>https://developer.mozilla.org/pt-BR/docs/Web/JavaScript</a:t>
-            </a:r>
-          </a:p>
-          <a:p>
-            <a:pPr>
-              <a:buClr>
-                <a:srgbClr val="001173"/>
-              </a:buClr>
-            </a:pPr>
-            <a:r>
-              <a:rPr lang="pt-BR" dirty="0">
-                <a:latin typeface="Roboto Thin" panose="02000000000000000000" pitchFamily="2" charset="0"/>
-                <a:ea typeface="Roboto Thin" panose="02000000000000000000" pitchFamily="2" charset="0"/>
-              </a:rPr>
-              <a:t>https://developer.mozilla.org/pt-BR/docs/Web/HTML</a:t>
-            </a:r>
-          </a:p>
-          <a:p>
-            <a:pPr>
-              <a:buClr>
-                <a:srgbClr val="001173"/>
-              </a:buClr>
-            </a:pPr>
-            <a:r>
-              <a:rPr lang="pt-BR" dirty="0">
-                <a:latin typeface="Roboto Thin" panose="02000000000000000000" pitchFamily="2" charset="0"/>
-                <a:ea typeface="Roboto Thin" panose="02000000000000000000" pitchFamily="2" charset="0"/>
-              </a:rPr>
-              <a:t>https://dev.mysql.com/doc</a:t>
-            </a:r>
-          </a:p>
-        </p:txBody>
-      </p:sp>
-    </p:spTree>
-    <p:extLst>
-      <p:ext uri="{BB962C8B-B14F-4D97-AF65-F5344CB8AC3E}">
-        <p14:creationId xmlns:p14="http://schemas.microsoft.com/office/powerpoint/2010/main" val="1493552308"/>
-      </p:ext>
-    </p:extLst>
-  </p:cSld>
-  <p:clrMapOvr>
-    <a:masterClrMapping/>
-  </p:clrMapOvr>
-</p:sld>
-</file>
-
 <file path=ppt/slides/slide2.xml><?xml version="1.0" encoding="utf-8"?>
 <p:sld xmlns:a="http://schemas.openxmlformats.org/drawingml/2006/main" xmlns:r="http://schemas.openxmlformats.org/officeDocument/2006/relationships" xmlns:p="http://schemas.openxmlformats.org/presentationml/2006/main">
   <p:cSld>
@@ -3776,548 +3515,6 @@
       </p:grpSpPr>
       <p:sp>
         <p:nvSpPr>
-          <p:cNvPr id="2" name="Título 1"/>
-          <p:cNvSpPr>
-            <a:spLocks noGrp="1"/>
-          </p:cNvSpPr>
-          <p:nvPr>
-            <p:ph type="title"/>
-          </p:nvPr>
-        </p:nvSpPr>
-        <p:spPr>
-          <a:xfrm>
-            <a:off x="0" y="1"/>
-            <a:ext cx="12192000" cy="1030310"/>
-          </a:xfrm>
-          <a:solidFill>
-            <a:srgbClr val="007EA6"/>
-          </a:solidFill>
-        </p:spPr>
-        <p:txBody>
-          <a:bodyPr/>
-          <a:lstStyle/>
-          <a:p>
-            <a:r>
-              <a:rPr lang="pt-BR" dirty="0">
-                <a:solidFill>
-                  <a:schemeClr val="bg1"/>
-                </a:solidFill>
-                <a:latin typeface="Roboto Thin" panose="02000000000000000000" pitchFamily="2" charset="0"/>
-                <a:ea typeface="Roboto Thin" panose="02000000000000000000" pitchFamily="2" charset="0"/>
-              </a:rPr>
-              <a:t>NullBank</a:t>
-            </a:r>
-          </a:p>
-        </p:txBody>
-      </p:sp>
-      <p:sp>
-        <p:nvSpPr>
-          <p:cNvPr id="6" name="CaixaDeTexto 5"/>
-          <p:cNvSpPr txBox="1"/>
-          <p:nvPr/>
-        </p:nvSpPr>
-        <p:spPr>
-          <a:xfrm>
-            <a:off x="4417455" y="1878126"/>
-            <a:ext cx="6941711" cy="830997"/>
-          </a:xfrm>
-          <a:prstGeom prst="rect">
-            <a:avLst/>
-          </a:prstGeom>
-          <a:noFill/>
-        </p:spPr>
-        <p:txBody>
-          <a:bodyPr wrap="square" rtlCol="0">
-            <a:spAutoFit/>
-          </a:bodyPr>
-          <a:lstStyle/>
-          <a:p>
-            <a:pPr marL="342900" indent="-342900">
-              <a:buClr>
-                <a:srgbClr val="007EA6"/>
-              </a:buClr>
-              <a:buFont typeface="Arial" panose="020B0604020202020204" pitchFamily="34" charset="0"/>
-              <a:buChar char="•"/>
-            </a:pPr>
-            <a:endParaRPr lang="pt-BR" sz="2400" dirty="0">
-              <a:solidFill>
-                <a:srgbClr val="001173"/>
-              </a:solidFill>
-              <a:latin typeface="Roboto Thin" panose="02000000000000000000" pitchFamily="2" charset="0"/>
-              <a:ea typeface="Roboto Thin" panose="02000000000000000000" pitchFamily="2" charset="0"/>
-            </a:endParaRPr>
-          </a:p>
-          <a:p>
-            <a:pPr marL="342900" indent="-342900">
-              <a:buClr>
-                <a:srgbClr val="007EA6"/>
-              </a:buClr>
-              <a:buFont typeface="Arial" panose="020B0604020202020204" pitchFamily="34" charset="0"/>
-              <a:buChar char="•"/>
-            </a:pPr>
-            <a:endParaRPr lang="pt-BR" sz="2400" dirty="0">
-              <a:solidFill>
-                <a:srgbClr val="001173"/>
-              </a:solidFill>
-              <a:latin typeface="Roboto Thin" panose="02000000000000000000" pitchFamily="2" charset="0"/>
-              <a:ea typeface="Roboto Thin" panose="02000000000000000000" pitchFamily="2" charset="0"/>
-            </a:endParaRPr>
-          </a:p>
-        </p:txBody>
-      </p:sp>
-      <p:sp>
-        <p:nvSpPr>
-          <p:cNvPr id="9" name="Espaço Reservado para Conteúdo 8"/>
-          <p:cNvSpPr>
-            <a:spLocks noGrp="1"/>
-          </p:cNvSpPr>
-          <p:nvPr>
-            <p:ph idx="1"/>
-          </p:nvPr>
-        </p:nvSpPr>
-        <p:spPr/>
-        <p:txBody>
-          <a:bodyPr/>
-          <a:lstStyle/>
-          <a:p>
-            <a:endParaRPr lang="pt-BR"/>
-          </a:p>
-        </p:txBody>
-      </p:sp>
-    </p:spTree>
-    <p:extLst>
-      <p:ext uri="{BB962C8B-B14F-4D97-AF65-F5344CB8AC3E}">
-        <p14:creationId xmlns:p14="http://schemas.microsoft.com/office/powerpoint/2010/main" val="1659387329"/>
-      </p:ext>
-    </p:extLst>
-  </p:cSld>
-  <p:clrMapOvr>
-    <a:masterClrMapping/>
-  </p:clrMapOvr>
-</p:sld>
-</file>
-
-<file path=ppt/slides/slide5.xml><?xml version="1.0" encoding="utf-8"?>
-<p:sld xmlns:a="http://schemas.openxmlformats.org/drawingml/2006/main" xmlns:r="http://schemas.openxmlformats.org/officeDocument/2006/relationships" xmlns:p="http://schemas.openxmlformats.org/presentationml/2006/main">
-  <p:cSld>
-    <p:spTree>
-      <p:nvGrpSpPr>
-        <p:cNvPr id="1" name=""/>
-        <p:cNvGrpSpPr/>
-        <p:nvPr/>
-      </p:nvGrpSpPr>
-      <p:grpSpPr>
-        <a:xfrm>
-          <a:off x="0" y="0"/>
-          <a:ext cx="0" cy="0"/>
-          <a:chOff x="0" y="0"/>
-          <a:chExt cx="0" cy="0"/>
-        </a:xfrm>
-      </p:grpSpPr>
-      <p:sp>
-        <p:nvSpPr>
-          <p:cNvPr id="2" name="Título 1"/>
-          <p:cNvSpPr>
-            <a:spLocks noGrp="1"/>
-          </p:cNvSpPr>
-          <p:nvPr>
-            <p:ph type="title"/>
-          </p:nvPr>
-        </p:nvSpPr>
-        <p:spPr>
-          <a:xfrm>
-            <a:off x="0" y="1"/>
-            <a:ext cx="12192000" cy="1030310"/>
-          </a:xfrm>
-          <a:solidFill>
-            <a:srgbClr val="007EA6"/>
-          </a:solidFill>
-        </p:spPr>
-        <p:txBody>
-          <a:bodyPr/>
-          <a:lstStyle/>
-          <a:p>
-            <a:r>
-              <a:rPr lang="pt-BR" dirty="0">
-                <a:solidFill>
-                  <a:schemeClr val="bg1"/>
-                </a:solidFill>
-                <a:latin typeface="Roboto Thin" panose="02000000000000000000" pitchFamily="2" charset="0"/>
-                <a:ea typeface="Roboto Thin" panose="02000000000000000000" pitchFamily="2" charset="0"/>
-              </a:rPr>
-              <a:t>NullBank</a:t>
-            </a:r>
-          </a:p>
-        </p:txBody>
-      </p:sp>
-      <p:sp>
-        <p:nvSpPr>
-          <p:cNvPr id="5" name="CaixaDeTexto 4"/>
-          <p:cNvSpPr txBox="1"/>
-          <p:nvPr/>
-        </p:nvSpPr>
-        <p:spPr>
-          <a:xfrm>
-            <a:off x="1054781" y="4332621"/>
-            <a:ext cx="2699410" cy="461665"/>
-          </a:xfrm>
-          <a:prstGeom prst="rect">
-            <a:avLst/>
-          </a:prstGeom>
-          <a:noFill/>
-        </p:spPr>
-        <p:txBody>
-          <a:bodyPr wrap="square" rtlCol="0">
-            <a:spAutoFit/>
-          </a:bodyPr>
-          <a:lstStyle/>
-          <a:p>
-            <a:r>
-              <a:rPr lang="pt-BR" sz="2400" dirty="0">
-                <a:latin typeface="Roboto Thin" panose="02000000000000000000" pitchFamily="2" charset="0"/>
-                <a:ea typeface="Roboto Thin" panose="02000000000000000000" pitchFamily="2" charset="0"/>
-              </a:rPr>
-              <a:t>Sistema Bancário</a:t>
-            </a:r>
-            <a:r>
-              <a:rPr lang="pt-BR" dirty="0">
-                <a:latin typeface="Roboto Thin" panose="02000000000000000000" pitchFamily="2" charset="0"/>
-                <a:ea typeface="Roboto Thin" panose="02000000000000000000" pitchFamily="2" charset="0"/>
-              </a:rPr>
-              <a:t>.</a:t>
-            </a:r>
-          </a:p>
-        </p:txBody>
-      </p:sp>
-      <p:sp>
-        <p:nvSpPr>
-          <p:cNvPr id="6" name="CaixaDeTexto 5"/>
-          <p:cNvSpPr txBox="1"/>
-          <p:nvPr/>
-        </p:nvSpPr>
-        <p:spPr>
-          <a:xfrm>
-            <a:off x="4417455" y="1878126"/>
-            <a:ext cx="6941711" cy="830997"/>
-          </a:xfrm>
-          <a:prstGeom prst="rect">
-            <a:avLst/>
-          </a:prstGeom>
-          <a:noFill/>
-        </p:spPr>
-        <p:txBody>
-          <a:bodyPr wrap="square" rtlCol="0">
-            <a:spAutoFit/>
-          </a:bodyPr>
-          <a:lstStyle/>
-          <a:p>
-            <a:pPr marL="342900" indent="-342900">
-              <a:buClr>
-                <a:srgbClr val="007EA6"/>
-              </a:buClr>
-              <a:buFont typeface="Arial" panose="020B0604020202020204" pitchFamily="34" charset="0"/>
-              <a:buChar char="•"/>
-            </a:pPr>
-            <a:endParaRPr lang="pt-BR" sz="2400" dirty="0">
-              <a:solidFill>
-                <a:srgbClr val="001173"/>
-              </a:solidFill>
-              <a:latin typeface="Roboto Thin" panose="02000000000000000000" pitchFamily="2" charset="0"/>
-              <a:ea typeface="Roboto Thin" panose="02000000000000000000" pitchFamily="2" charset="0"/>
-            </a:endParaRPr>
-          </a:p>
-          <a:p>
-            <a:pPr marL="342900" indent="-342900">
-              <a:buClr>
-                <a:srgbClr val="007EA6"/>
-              </a:buClr>
-              <a:buFont typeface="Arial" panose="020B0604020202020204" pitchFamily="34" charset="0"/>
-              <a:buChar char="•"/>
-            </a:pPr>
-            <a:endParaRPr lang="pt-BR" sz="2400" dirty="0">
-              <a:solidFill>
-                <a:srgbClr val="001173"/>
-              </a:solidFill>
-              <a:latin typeface="Roboto Thin" panose="02000000000000000000" pitchFamily="2" charset="0"/>
-              <a:ea typeface="Roboto Thin" panose="02000000000000000000" pitchFamily="2" charset="0"/>
-            </a:endParaRPr>
-          </a:p>
-        </p:txBody>
-      </p:sp>
-      <p:sp>
-        <p:nvSpPr>
-          <p:cNvPr id="3" name="Espaço Reservado para Conteúdo 2"/>
-          <p:cNvSpPr>
-            <a:spLocks noGrp="1"/>
-          </p:cNvSpPr>
-          <p:nvPr>
-            <p:ph idx="1"/>
-          </p:nvPr>
-        </p:nvSpPr>
-        <p:spPr/>
-        <p:txBody>
-          <a:bodyPr/>
-          <a:lstStyle/>
-          <a:p>
-            <a:r>
-              <a:rPr lang="pt-BR" dirty="0"/>
-              <a:t>Aqui será inserido </a:t>
-            </a:r>
-            <a:r>
-              <a:rPr lang="pt-BR" dirty="0" err="1"/>
-              <a:t>prints</a:t>
-            </a:r>
-            <a:r>
-              <a:rPr lang="pt-BR" dirty="0"/>
-              <a:t> das telas</a:t>
-            </a:r>
-          </a:p>
-          <a:p>
-            <a:r>
-              <a:rPr lang="pt-BR" dirty="0"/>
-              <a:t>Aqui e nos </a:t>
-            </a:r>
-            <a:r>
-              <a:rPr lang="pt-BR"/>
-              <a:t>próximo slides.</a:t>
-            </a:r>
-            <a:endParaRPr lang="pt-BR" dirty="0"/>
-          </a:p>
-        </p:txBody>
-      </p:sp>
-    </p:spTree>
-    <p:extLst>
-      <p:ext uri="{BB962C8B-B14F-4D97-AF65-F5344CB8AC3E}">
-        <p14:creationId xmlns:p14="http://schemas.microsoft.com/office/powerpoint/2010/main" val="631037317"/>
-      </p:ext>
-    </p:extLst>
-  </p:cSld>
-  <p:clrMapOvr>
-    <a:masterClrMapping/>
-  </p:clrMapOvr>
-</p:sld>
-</file>
-
-<file path=ppt/slides/slide6.xml><?xml version="1.0" encoding="utf-8"?>
-<p:sld xmlns:a="http://schemas.openxmlformats.org/drawingml/2006/main" xmlns:r="http://schemas.openxmlformats.org/officeDocument/2006/relationships" xmlns:p="http://schemas.openxmlformats.org/presentationml/2006/main">
-  <p:cSld>
-    <p:spTree>
-      <p:nvGrpSpPr>
-        <p:cNvPr id="1" name=""/>
-        <p:cNvGrpSpPr/>
-        <p:nvPr/>
-      </p:nvGrpSpPr>
-      <p:grpSpPr>
-        <a:xfrm>
-          <a:off x="0" y="0"/>
-          <a:ext cx="0" cy="0"/>
-          <a:chOff x="0" y="0"/>
-          <a:chExt cx="0" cy="0"/>
-        </a:xfrm>
-      </p:grpSpPr>
-      <p:sp>
-        <p:nvSpPr>
-          <p:cNvPr id="2" name="Título 1"/>
-          <p:cNvSpPr>
-            <a:spLocks noGrp="1"/>
-          </p:cNvSpPr>
-          <p:nvPr>
-            <p:ph type="title"/>
-          </p:nvPr>
-        </p:nvSpPr>
-        <p:spPr>
-          <a:xfrm>
-            <a:off x="0" y="1"/>
-            <a:ext cx="12192000" cy="1030310"/>
-          </a:xfrm>
-          <a:solidFill>
-            <a:srgbClr val="007EA6"/>
-          </a:solidFill>
-        </p:spPr>
-        <p:txBody>
-          <a:bodyPr/>
-          <a:lstStyle/>
-          <a:p>
-            <a:r>
-              <a:rPr lang="pt-BR" dirty="0">
-                <a:solidFill>
-                  <a:schemeClr val="bg1"/>
-                </a:solidFill>
-                <a:latin typeface="Roboto Thin" panose="02000000000000000000" pitchFamily="2" charset="0"/>
-                <a:ea typeface="Roboto Thin" panose="02000000000000000000" pitchFamily="2" charset="0"/>
-              </a:rPr>
-              <a:t>NullBank</a:t>
-            </a:r>
-          </a:p>
-        </p:txBody>
-      </p:sp>
-      <p:sp>
-        <p:nvSpPr>
-          <p:cNvPr id="5" name="CaixaDeTexto 4"/>
-          <p:cNvSpPr txBox="1"/>
-          <p:nvPr/>
-        </p:nvSpPr>
-        <p:spPr>
-          <a:xfrm>
-            <a:off x="1054781" y="4332621"/>
-            <a:ext cx="2699410" cy="461665"/>
-          </a:xfrm>
-          <a:prstGeom prst="rect">
-            <a:avLst/>
-          </a:prstGeom>
-          <a:noFill/>
-        </p:spPr>
-        <p:txBody>
-          <a:bodyPr wrap="square" rtlCol="0">
-            <a:spAutoFit/>
-          </a:bodyPr>
-          <a:lstStyle/>
-          <a:p>
-            <a:r>
-              <a:rPr lang="pt-BR" sz="2400" dirty="0">
-                <a:latin typeface="Roboto Thin" panose="02000000000000000000" pitchFamily="2" charset="0"/>
-                <a:ea typeface="Roboto Thin" panose="02000000000000000000" pitchFamily="2" charset="0"/>
-              </a:rPr>
-              <a:t>Sistema Bancário</a:t>
-            </a:r>
-            <a:r>
-              <a:rPr lang="pt-BR" dirty="0">
-                <a:latin typeface="Roboto Thin" panose="02000000000000000000" pitchFamily="2" charset="0"/>
-                <a:ea typeface="Roboto Thin" panose="02000000000000000000" pitchFamily="2" charset="0"/>
-              </a:rPr>
-              <a:t>.</a:t>
-            </a:r>
-          </a:p>
-        </p:txBody>
-      </p:sp>
-      <p:sp>
-        <p:nvSpPr>
-          <p:cNvPr id="6" name="CaixaDeTexto 5"/>
-          <p:cNvSpPr txBox="1"/>
-          <p:nvPr/>
-        </p:nvSpPr>
-        <p:spPr>
-          <a:xfrm>
-            <a:off x="4417455" y="1878126"/>
-            <a:ext cx="6941711" cy="830997"/>
-          </a:xfrm>
-          <a:prstGeom prst="rect">
-            <a:avLst/>
-          </a:prstGeom>
-          <a:noFill/>
-        </p:spPr>
-        <p:txBody>
-          <a:bodyPr wrap="square" rtlCol="0">
-            <a:spAutoFit/>
-          </a:bodyPr>
-          <a:lstStyle/>
-          <a:p>
-            <a:pPr marL="342900" indent="-342900">
-              <a:buClr>
-                <a:srgbClr val="007EA6"/>
-              </a:buClr>
-              <a:buFont typeface="Arial" panose="020B0604020202020204" pitchFamily="34" charset="0"/>
-              <a:buChar char="•"/>
-            </a:pPr>
-            <a:endParaRPr lang="pt-BR" sz="2400" dirty="0">
-              <a:solidFill>
-                <a:srgbClr val="001173"/>
-              </a:solidFill>
-              <a:latin typeface="Roboto Thin" panose="02000000000000000000" pitchFamily="2" charset="0"/>
-              <a:ea typeface="Roboto Thin" panose="02000000000000000000" pitchFamily="2" charset="0"/>
-            </a:endParaRPr>
-          </a:p>
-          <a:p>
-            <a:pPr marL="342900" indent="-342900">
-              <a:buClr>
-                <a:srgbClr val="007EA6"/>
-              </a:buClr>
-              <a:buFont typeface="Arial" panose="020B0604020202020204" pitchFamily="34" charset="0"/>
-              <a:buChar char="•"/>
-            </a:pPr>
-            <a:endParaRPr lang="pt-BR" sz="2400" dirty="0">
-              <a:solidFill>
-                <a:srgbClr val="001173"/>
-              </a:solidFill>
-              <a:latin typeface="Roboto Thin" panose="02000000000000000000" pitchFamily="2" charset="0"/>
-              <a:ea typeface="Roboto Thin" panose="02000000000000000000" pitchFamily="2" charset="0"/>
-            </a:endParaRPr>
-          </a:p>
-        </p:txBody>
-      </p:sp>
-      <p:sp>
-        <p:nvSpPr>
-          <p:cNvPr id="3" name="Espaço Reservado para Conteúdo 2"/>
-          <p:cNvSpPr>
-            <a:spLocks noGrp="1"/>
-          </p:cNvSpPr>
-          <p:nvPr>
-            <p:ph idx="1"/>
-          </p:nvPr>
-        </p:nvSpPr>
-        <p:spPr/>
-        <p:txBody>
-          <a:bodyPr/>
-          <a:lstStyle/>
-          <a:p>
-            <a:r>
-              <a:rPr lang="pt-BR" dirty="0"/>
-              <a:t>Aqui será inserido </a:t>
-            </a:r>
-            <a:r>
-              <a:rPr lang="pt-BR" dirty="0" err="1"/>
-              <a:t>prints</a:t>
-            </a:r>
-            <a:r>
-              <a:rPr lang="pt-BR" dirty="0"/>
-              <a:t> das telas</a:t>
-            </a:r>
-          </a:p>
-          <a:p>
-            <a:r>
-              <a:rPr lang="pt-BR" dirty="0"/>
-              <a:t>Aqui e nos </a:t>
-            </a:r>
-            <a:r>
-              <a:rPr lang="pt-BR"/>
-              <a:t>próximo slides.</a:t>
-            </a:r>
-            <a:endParaRPr lang="pt-BR" dirty="0"/>
-          </a:p>
-        </p:txBody>
-      </p:sp>
-    </p:spTree>
-    <p:extLst>
-      <p:ext uri="{BB962C8B-B14F-4D97-AF65-F5344CB8AC3E}">
-        <p14:creationId xmlns:p14="http://schemas.microsoft.com/office/powerpoint/2010/main" val="3110256104"/>
-      </p:ext>
-    </p:extLst>
-  </p:cSld>
-  <p:clrMapOvr>
-    <a:masterClrMapping/>
-  </p:clrMapOvr>
-</p:sld>
-</file>
-
-<file path=ppt/slides/slide7.xml><?xml version="1.0" encoding="utf-8"?>
-<p:sld xmlns:a="http://schemas.openxmlformats.org/drawingml/2006/main" xmlns:r="http://schemas.openxmlformats.org/officeDocument/2006/relationships" xmlns:p="http://schemas.openxmlformats.org/presentationml/2006/main">
-  <p:cSld>
-    <p:spTree>
-      <p:nvGrpSpPr>
-        <p:cNvPr id="1" name=""/>
-        <p:cNvGrpSpPr/>
-        <p:nvPr/>
-      </p:nvGrpSpPr>
-      <p:grpSpPr>
-        <a:xfrm>
-          <a:off x="0" y="0"/>
-          <a:ext cx="0" cy="0"/>
-          <a:chOff x="0" y="0"/>
-          <a:chExt cx="0" cy="0"/>
-        </a:xfrm>
-      </p:grpSpPr>
-      <p:sp>
-        <p:nvSpPr>
           <p:cNvPr id="3" name="Espaço Reservado para Conteúdo 2"/>
           <p:cNvSpPr>
             <a:spLocks noGrp="1"/>
@@ -4402,7 +3599,7 @@
 </p:sld>
 </file>
 
-<file path=ppt/slides/slide8.xml><?xml version="1.0" encoding="utf-8"?>
+<file path=ppt/slides/slide5.xml><?xml version="1.0" encoding="utf-8"?>
 <p:sld xmlns:a="http://schemas.openxmlformats.org/drawingml/2006/main" xmlns:r="http://schemas.openxmlformats.org/officeDocument/2006/relationships" xmlns:p="http://schemas.openxmlformats.org/presentationml/2006/main">
   <p:cSld>
     <p:spTree>
@@ -4467,7 +3664,7 @@
         </p:nvSpPr>
         <p:spPr/>
         <p:txBody>
-          <a:bodyPr/>
+          <a:bodyPr anchor="ctr"/>
           <a:lstStyle/>
           <a:p>
             <a:pPr>
@@ -4494,7 +3691,7 @@
                 <a:latin typeface="Roboto Thin" panose="02000000000000000000" pitchFamily="2" charset="0"/>
                 <a:ea typeface="Roboto Thin" panose="02000000000000000000" pitchFamily="2" charset="0"/>
               </a:rPr>
-              <a:t>MySQL Workbench  6.3 - modelagem;</a:t>
+              <a:t>MySQL Workbench  6.3.9;</a:t>
             </a:r>
           </a:p>
           <a:p>
@@ -4508,7 +3705,7 @@
                 <a:latin typeface="Roboto Thin" panose="02000000000000000000" pitchFamily="2" charset="0"/>
                 <a:ea typeface="Roboto Thin" panose="02000000000000000000" pitchFamily="2" charset="0"/>
               </a:rPr>
-              <a:t>MySQL Server 5.7.19 - h.</a:t>
+              <a:t>MySQL Server 5.7.19 .</a:t>
             </a:r>
           </a:p>
           <a:p>
@@ -4548,7 +3745,7 @@
                 <a:latin typeface="Roboto Thin" panose="02000000000000000000" pitchFamily="2" charset="0"/>
                 <a:ea typeface="Roboto Thin" panose="02000000000000000000" pitchFamily="2" charset="0"/>
               </a:rPr>
-              <a:t>HTML 5;</a:t>
+              <a:t>HTML5;</a:t>
             </a:r>
           </a:p>
           <a:p>
@@ -4562,7 +3759,7 @@
                 <a:latin typeface="Roboto Thin" panose="02000000000000000000" pitchFamily="2" charset="0"/>
                 <a:ea typeface="Roboto Thin" panose="02000000000000000000" pitchFamily="2" charset="0"/>
               </a:rPr>
-              <a:t>CSS 3 - </a:t>
+              <a:t>CSS3 - </a:t>
             </a:r>
             <a:r>
               <a:rPr lang="pt-BR" dirty="0" err="1">
@@ -4632,7 +3829,21 @@
                 <a:latin typeface="Roboto Thin" panose="02000000000000000000" pitchFamily="2" charset="0"/>
                 <a:ea typeface="Roboto Thin" panose="02000000000000000000" pitchFamily="2" charset="0"/>
               </a:rPr>
-              <a:t> 6.11.5.</a:t>
+              <a:t> 6.11.5;</a:t>
+            </a:r>
+          </a:p>
+          <a:p>
+            <a:pPr lvl="1">
+              <a:buClr>
+                <a:srgbClr val="001173"/>
+              </a:buClr>
+            </a:pPr>
+            <a:r>
+              <a:rPr lang="pt-BR" dirty="0">
+                <a:latin typeface="Roboto Thin" panose="02000000000000000000" pitchFamily="2" charset="0"/>
+                <a:ea typeface="Roboto Thin" panose="02000000000000000000" pitchFamily="2" charset="0"/>
+              </a:rPr>
+              <a:t>NPM MySQL 2.15.0 - Conector JS para MySQL.</a:t>
             </a:r>
           </a:p>
         </p:txBody>
@@ -4650,7 +3861,7 @@
 </p:sld>
 </file>
 
-<file path=ppt/slides/slide9.xml><?xml version="1.0" encoding="utf-8"?>
+<file path=ppt/slides/slide6.xml><?xml version="1.0" encoding="utf-8"?>
 <p:sld xmlns:a="http://schemas.openxmlformats.org/drawingml/2006/main" xmlns:r="http://schemas.openxmlformats.org/officeDocument/2006/relationships" xmlns:p="http://schemas.openxmlformats.org/presentationml/2006/main">
   <p:cSld>
     <p:spTree>
@@ -4744,6 +3955,172 @@
     <p:extLst>
       <p:ext uri="{BB962C8B-B14F-4D97-AF65-F5344CB8AC3E}">
         <p14:creationId xmlns:p14="http://schemas.microsoft.com/office/powerpoint/2010/main" val="3548836521"/>
+      </p:ext>
+    </p:extLst>
+  </p:cSld>
+  <p:clrMapOvr>
+    <a:masterClrMapping/>
+  </p:clrMapOvr>
+</p:sld>
+</file>
+
+<file path=ppt/slides/slide7.xml><?xml version="1.0" encoding="utf-8"?>
+<p:sld xmlns:a="http://schemas.openxmlformats.org/drawingml/2006/main" xmlns:r="http://schemas.openxmlformats.org/officeDocument/2006/relationships" xmlns:p="http://schemas.openxmlformats.org/presentationml/2006/main">
+  <p:cSld>
+    <p:spTree>
+      <p:nvGrpSpPr>
+        <p:cNvPr id="1" name=""/>
+        <p:cNvGrpSpPr/>
+        <p:nvPr/>
+      </p:nvGrpSpPr>
+      <p:grpSpPr>
+        <a:xfrm>
+          <a:off x="0" y="0"/>
+          <a:ext cx="0" cy="0"/>
+          <a:chOff x="0" y="0"/>
+          <a:chExt cx="0" cy="0"/>
+        </a:xfrm>
+      </p:grpSpPr>
+      <p:sp>
+        <p:nvSpPr>
+          <p:cNvPr id="2" name="Título 1"/>
+          <p:cNvSpPr>
+            <a:spLocks noGrp="1"/>
+          </p:cNvSpPr>
+          <p:nvPr>
+            <p:ph type="title"/>
+          </p:nvPr>
+        </p:nvSpPr>
+        <p:spPr>
+          <a:xfrm>
+            <a:off x="0" y="1"/>
+            <a:ext cx="12192000" cy="1030310"/>
+          </a:xfrm>
+          <a:solidFill>
+            <a:srgbClr val="007EA6"/>
+          </a:solidFill>
+        </p:spPr>
+        <p:txBody>
+          <a:bodyPr/>
+          <a:lstStyle/>
+          <a:p>
+            <a:r>
+              <a:rPr lang="pt-BR" dirty="0">
+                <a:solidFill>
+                  <a:schemeClr val="bg1"/>
+                </a:solidFill>
+                <a:latin typeface="Roboto Thin" panose="02000000000000000000" pitchFamily="2" charset="0"/>
+                <a:ea typeface="Roboto Thin" panose="02000000000000000000" pitchFamily="2" charset="0"/>
+              </a:rPr>
+              <a:t>Referências</a:t>
+            </a:r>
+          </a:p>
+        </p:txBody>
+      </p:sp>
+      <p:sp>
+        <p:nvSpPr>
+          <p:cNvPr id="3" name="Espaço Reservado para Conteúdo 2"/>
+          <p:cNvSpPr>
+            <a:spLocks noGrp="1"/>
+          </p:cNvSpPr>
+          <p:nvPr>
+            <p:ph idx="1"/>
+          </p:nvPr>
+        </p:nvSpPr>
+        <p:spPr/>
+        <p:txBody>
+          <a:bodyPr anchor="ctr"/>
+          <a:lstStyle/>
+          <a:p>
+            <a:pPr>
+              <a:buClr>
+                <a:srgbClr val="001173"/>
+              </a:buClr>
+            </a:pPr>
+            <a:r>
+              <a:rPr lang="pt-BR" dirty="0">
+                <a:latin typeface="Roboto Thin" panose="02000000000000000000" pitchFamily="2" charset="0"/>
+                <a:ea typeface="Roboto Thin" panose="02000000000000000000" pitchFamily="2" charset="0"/>
+              </a:rPr>
+              <a:t>https://electronjs.org/docs/api</a:t>
+            </a:r>
+          </a:p>
+          <a:p>
+            <a:pPr>
+              <a:buClr>
+                <a:srgbClr val="001173"/>
+              </a:buClr>
+            </a:pPr>
+            <a:r>
+              <a:rPr lang="pt-BR" dirty="0">
+                <a:latin typeface="Roboto Thin" panose="02000000000000000000" pitchFamily="2" charset="0"/>
+                <a:ea typeface="Roboto Thin" panose="02000000000000000000" pitchFamily="2" charset="0"/>
+              </a:rPr>
+              <a:t>https://getbootstrap.com/docs/4.0/getting-started/introduction</a:t>
+            </a:r>
+          </a:p>
+          <a:p>
+            <a:pPr>
+              <a:buClr>
+                <a:srgbClr val="001173"/>
+              </a:buClr>
+            </a:pPr>
+            <a:r>
+              <a:rPr lang="pt-BR" dirty="0">
+                <a:latin typeface="Roboto Thin" panose="02000000000000000000" pitchFamily="2" charset="0"/>
+                <a:ea typeface="Roboto Thin" panose="02000000000000000000" pitchFamily="2" charset="0"/>
+              </a:rPr>
+              <a:t>https://www.npmjs.com/package/mysql</a:t>
+            </a:r>
+          </a:p>
+          <a:p>
+            <a:pPr>
+              <a:buClr>
+                <a:srgbClr val="001173"/>
+              </a:buClr>
+            </a:pPr>
+            <a:r>
+              <a:rPr lang="pt-BR" dirty="0">
+                <a:latin typeface="Roboto Thin" panose="02000000000000000000" pitchFamily="2" charset="0"/>
+                <a:ea typeface="Roboto Thin" panose="02000000000000000000" pitchFamily="2" charset="0"/>
+              </a:rPr>
+              <a:t>https://developer.mozilla.org/pt-BR/docs/Web/JavaScript</a:t>
+            </a:r>
+          </a:p>
+          <a:p>
+            <a:pPr>
+              <a:buClr>
+                <a:srgbClr val="001173"/>
+              </a:buClr>
+            </a:pPr>
+            <a:r>
+              <a:rPr lang="pt-BR" dirty="0">
+                <a:latin typeface="Roboto Thin" panose="02000000000000000000" pitchFamily="2" charset="0"/>
+                <a:ea typeface="Roboto Thin" panose="02000000000000000000" pitchFamily="2" charset="0"/>
+              </a:rPr>
+              <a:t>https://developer.mozilla.org/pt-BR/docs/Web/HTML</a:t>
+            </a:r>
+          </a:p>
+          <a:p>
+            <a:pPr>
+              <a:buClr>
+                <a:srgbClr val="001173"/>
+              </a:buClr>
+            </a:pPr>
+            <a:r>
+              <a:rPr lang="pt-BR" dirty="0">
+                <a:latin typeface="Roboto Thin" panose="02000000000000000000" pitchFamily="2" charset="0"/>
+                <a:ea typeface="Roboto Thin" panose="02000000000000000000" pitchFamily="2" charset="0"/>
+              </a:rPr>
+              <a:t>https://dev.mysql.com/doc</a:t>
+            </a:r>
+          </a:p>
+        </p:txBody>
+      </p:sp>
+    </p:spTree>
+    <p:extLst>
+      <p:ext uri="{BB962C8B-B14F-4D97-AF65-F5344CB8AC3E}">
+        <p14:creationId xmlns:p14="http://schemas.microsoft.com/office/powerpoint/2010/main" val="1493552308"/>
       </p:ext>
     </p:extLst>
   </p:cSld>
